--- a/tex/Presentation1.pptx
+++ b/tex/Presentation1.pptx
@@ -5,8 +5,8 @@
     <p:sldMasterId id="2147483648" r:id="rId1"/>
   </p:sldMasterIdLst>
   <p:sldIdLst>
-    <p:sldId id="256" r:id="rId2"/>
-    <p:sldId id="257" r:id="rId3"/>
+    <p:sldId id="257" r:id="rId2"/>
+    <p:sldId id="258" r:id="rId3"/>
   </p:sldIdLst>
   <p:sldSz cx="9144000" cy="6858000" type="screen4x3"/>
   <p:notesSz cx="6858000" cy="9144000"/>
@@ -289,7 +289,7 @@
           <a:p>
             <a:fld id="{C4EBD2D4-4D68-4C1B-8DA7-9E79A3A8BEE9}" type="datetimeFigureOut">
               <a:rPr lang="en-US" smtClean="0"/>
-              <a:t>9/6/2014</a:t>
+              <a:t>9/7/2014</a:t>
             </a:fld>
             <a:endParaRPr lang="en-US"/>
           </a:p>
@@ -459,7 +459,7 @@
           <a:p>
             <a:fld id="{C4EBD2D4-4D68-4C1B-8DA7-9E79A3A8BEE9}" type="datetimeFigureOut">
               <a:rPr lang="en-US" smtClean="0"/>
-              <a:t>9/6/2014</a:t>
+              <a:t>9/7/2014</a:t>
             </a:fld>
             <a:endParaRPr lang="en-US"/>
           </a:p>
@@ -639,7 +639,7 @@
           <a:p>
             <a:fld id="{C4EBD2D4-4D68-4C1B-8DA7-9E79A3A8BEE9}" type="datetimeFigureOut">
               <a:rPr lang="en-US" smtClean="0"/>
-              <a:t>9/6/2014</a:t>
+              <a:t>9/7/2014</a:t>
             </a:fld>
             <a:endParaRPr lang="en-US"/>
           </a:p>
@@ -809,7 +809,7 @@
           <a:p>
             <a:fld id="{C4EBD2D4-4D68-4C1B-8DA7-9E79A3A8BEE9}" type="datetimeFigureOut">
               <a:rPr lang="en-US" smtClean="0"/>
-              <a:t>9/6/2014</a:t>
+              <a:t>9/7/2014</a:t>
             </a:fld>
             <a:endParaRPr lang="en-US"/>
           </a:p>
@@ -1055,7 +1055,7 @@
           <a:p>
             <a:fld id="{C4EBD2D4-4D68-4C1B-8DA7-9E79A3A8BEE9}" type="datetimeFigureOut">
               <a:rPr lang="en-US" smtClean="0"/>
-              <a:t>9/6/2014</a:t>
+              <a:t>9/7/2014</a:t>
             </a:fld>
             <a:endParaRPr lang="en-US"/>
           </a:p>
@@ -1343,7 +1343,7 @@
           <a:p>
             <a:fld id="{C4EBD2D4-4D68-4C1B-8DA7-9E79A3A8BEE9}" type="datetimeFigureOut">
               <a:rPr lang="en-US" smtClean="0"/>
-              <a:t>9/6/2014</a:t>
+              <a:t>9/7/2014</a:t>
             </a:fld>
             <a:endParaRPr lang="en-US"/>
           </a:p>
@@ -1765,7 +1765,7 @@
           <a:p>
             <a:fld id="{C4EBD2D4-4D68-4C1B-8DA7-9E79A3A8BEE9}" type="datetimeFigureOut">
               <a:rPr lang="en-US" smtClean="0"/>
-              <a:t>9/6/2014</a:t>
+              <a:t>9/7/2014</a:t>
             </a:fld>
             <a:endParaRPr lang="en-US"/>
           </a:p>
@@ -1883,7 +1883,7 @@
           <a:p>
             <a:fld id="{C4EBD2D4-4D68-4C1B-8DA7-9E79A3A8BEE9}" type="datetimeFigureOut">
               <a:rPr lang="en-US" smtClean="0"/>
-              <a:t>9/6/2014</a:t>
+              <a:t>9/7/2014</a:t>
             </a:fld>
             <a:endParaRPr lang="en-US"/>
           </a:p>
@@ -1978,7 +1978,7 @@
           <a:p>
             <a:fld id="{C4EBD2D4-4D68-4C1B-8DA7-9E79A3A8BEE9}" type="datetimeFigureOut">
               <a:rPr lang="en-US" smtClean="0"/>
-              <a:t>9/6/2014</a:t>
+              <a:t>9/7/2014</a:t>
             </a:fld>
             <a:endParaRPr lang="en-US"/>
           </a:p>
@@ -2255,7 +2255,7 @@
           <a:p>
             <a:fld id="{C4EBD2D4-4D68-4C1B-8DA7-9E79A3A8BEE9}" type="datetimeFigureOut">
               <a:rPr lang="en-US" smtClean="0"/>
-              <a:t>9/6/2014</a:t>
+              <a:t>9/7/2014</a:t>
             </a:fld>
             <a:endParaRPr lang="en-US"/>
           </a:p>
@@ -2508,7 +2508,7 @@
           <a:p>
             <a:fld id="{C4EBD2D4-4D68-4C1B-8DA7-9E79A3A8BEE9}" type="datetimeFigureOut">
               <a:rPr lang="en-US" smtClean="0"/>
-              <a:t>9/6/2014</a:t>
+              <a:t>9/7/2014</a:t>
             </a:fld>
             <a:endParaRPr lang="en-US"/>
           </a:p>
@@ -2721,7 +2721,7 @@
           <a:p>
             <a:fld id="{C4EBD2D4-4D68-4C1B-8DA7-9E79A3A8BEE9}" type="datetimeFigureOut">
               <a:rPr lang="en-US" smtClean="0"/>
-              <a:t>9/6/2014</a:t>
+              <a:t>9/7/2014</a:t>
             </a:fld>
             <a:endParaRPr lang="en-US"/>
           </a:p>
@@ -3096,81 +3096,6 @@
           <a:chExt cx="0" cy="0"/>
         </a:xfrm>
       </p:grpSpPr>
-      <p:sp>
-        <p:nvSpPr>
-          <p:cNvPr id="2" name="Title 1"/>
-          <p:cNvSpPr>
-            <a:spLocks noGrp="1"/>
-          </p:cNvSpPr>
-          <p:nvPr>
-            <p:ph type="ctrTitle"/>
-          </p:nvPr>
-        </p:nvSpPr>
-        <p:spPr/>
-        <p:txBody>
-          <a:bodyPr/>
-          <a:lstStyle/>
-          <a:p>
-            <a:endParaRPr lang="en-US"/>
-          </a:p>
-        </p:txBody>
-      </p:sp>
-      <p:sp>
-        <p:nvSpPr>
-          <p:cNvPr id="3" name="Subtitle 2"/>
-          <p:cNvSpPr>
-            <a:spLocks noGrp="1"/>
-          </p:cNvSpPr>
-          <p:nvPr>
-            <p:ph type="subTitle" idx="1"/>
-          </p:nvPr>
-        </p:nvSpPr>
-        <p:spPr/>
-        <p:txBody>
-          <a:bodyPr/>
-          <a:lstStyle/>
-          <a:p>
-            <a:endParaRPr lang="en-US"/>
-          </a:p>
-        </p:txBody>
-      </p:sp>
-    </p:spTree>
-    <p:extLst>
-      <p:ext uri="{BB962C8B-B14F-4D97-AF65-F5344CB8AC3E}">
-        <p14:creationId xmlns:p14="http://schemas.microsoft.com/office/powerpoint/2010/main" val="1213899466"/>
-      </p:ext>
-    </p:extLst>
-  </p:cSld>
-  <p:clrMapOvr>
-    <a:masterClrMapping/>
-  </p:clrMapOvr>
-  <p:timing>
-    <p:tnLst>
-      <p:par>
-        <p:cTn id="1" dur="indefinite" restart="never" nodeType="tmRoot"/>
-      </p:par>
-    </p:tnLst>
-  </p:timing>
-</p:sld>
-</file>
-
-<file path=ppt/slides/slide2.xml><?xml version="1.0" encoding="utf-8"?>
-<p:sld xmlns:a="http://schemas.openxmlformats.org/drawingml/2006/main" xmlns:r="http://schemas.openxmlformats.org/officeDocument/2006/relationships" xmlns:p="http://schemas.openxmlformats.org/presentationml/2006/main">
-  <p:cSld>
-    <p:spTree>
-      <p:nvGrpSpPr>
-        <p:cNvPr id="1" name=""/>
-        <p:cNvGrpSpPr/>
-        <p:nvPr/>
-      </p:nvGrpSpPr>
-      <p:grpSpPr>
-        <a:xfrm>
-          <a:off x="0" y="0"/>
-          <a:ext cx="0" cy="0"/>
-          <a:chOff x="0" y="0"/>
-          <a:chExt cx="0" cy="0"/>
-        </a:xfrm>
-      </p:grpSpPr>
       <p:cxnSp>
         <p:nvCxnSpPr>
           <p:cNvPr id="3" name="Straight Arrow Connector 2"/>
@@ -3278,8 +3203,8 @@
           </a:fontRef>
         </p:style>
       </p:cxnSp>
-      <mc:AlternateContent xmlns:mc="http://schemas.openxmlformats.org/markup-compatibility/2006">
-        <mc:Choice xmlns:a14="http://schemas.microsoft.com/office/drawing/2010/main" Requires="a14">
+      <mc:AlternateContent xmlns:mc="http://schemas.openxmlformats.org/markup-compatibility/2006" xmlns:a14="http://schemas.microsoft.com/office/drawing/2010/main">
+        <mc:Choice Requires="a14">
           <p:sp>
             <p:nvSpPr>
               <p:cNvPr id="9" name="TextBox 8"/>
@@ -3302,6 +3227,7 @@
               </a:bodyPr>
               <a:lstStyle/>
               <a:p>
+                <a:pPr/>
                 <a14:m>
                   <m:oMathPara xmlns:m="http://schemas.openxmlformats.org/officeDocument/2006/math">
                     <m:oMathParaPr>
@@ -3322,7 +3248,7 @@
             </p:txBody>
           </p:sp>
         </mc:Choice>
-        <mc:Fallback>
+        <mc:Fallback xmlns="">
           <p:sp>
             <p:nvSpPr>
               <p:cNvPr id="9" name="TextBox 8"/>
@@ -3361,8 +3287,8 @@
           </p:sp>
         </mc:Fallback>
       </mc:AlternateContent>
-      <mc:AlternateContent xmlns:mc="http://schemas.openxmlformats.org/markup-compatibility/2006">
-        <mc:Choice xmlns:a14="http://schemas.microsoft.com/office/drawing/2010/main" Requires="a14">
+      <mc:AlternateContent xmlns:mc="http://schemas.openxmlformats.org/markup-compatibility/2006" xmlns:a14="http://schemas.microsoft.com/office/drawing/2010/main">
+        <mc:Choice Requires="a14">
           <p:sp>
             <p:nvSpPr>
               <p:cNvPr id="10" name="TextBox 9"/>
@@ -3385,6 +3311,7 @@
               </a:bodyPr>
               <a:lstStyle/>
               <a:p>
+                <a:pPr/>
                 <a14:m>
                   <m:oMathPara xmlns:m="http://schemas.openxmlformats.org/officeDocument/2006/math">
                     <m:oMathParaPr>
@@ -3449,7 +3376,7 @@
             </p:txBody>
           </p:sp>
         </mc:Choice>
-        <mc:Fallback>
+        <mc:Fallback xmlns="">
           <p:sp>
             <p:nvSpPr>
               <p:cNvPr id="10" name="TextBox 9"/>
@@ -3488,8 +3415,8 @@
           </p:sp>
         </mc:Fallback>
       </mc:AlternateContent>
-      <mc:AlternateContent xmlns:mc="http://schemas.openxmlformats.org/markup-compatibility/2006">
-        <mc:Choice xmlns:a14="http://schemas.microsoft.com/office/drawing/2010/main" Requires="a14">
+      <mc:AlternateContent xmlns:mc="http://schemas.openxmlformats.org/markup-compatibility/2006" xmlns:a14="http://schemas.microsoft.com/office/drawing/2010/main">
+        <mc:Choice Requires="a14">
           <p:sp>
             <p:nvSpPr>
               <p:cNvPr id="11" name="TextBox 10"/>
@@ -3512,6 +3439,7 @@
               </a:bodyPr>
               <a:lstStyle/>
               <a:p>
+                <a:pPr/>
                 <a14:m>
                   <m:oMathPara xmlns:m="http://schemas.openxmlformats.org/officeDocument/2006/math">
                     <m:oMathParaPr>
@@ -3576,7 +3504,7 @@
             </p:txBody>
           </p:sp>
         </mc:Choice>
-        <mc:Fallback>
+        <mc:Fallback xmlns="">
           <p:sp>
             <p:nvSpPr>
               <p:cNvPr id="11" name="TextBox 10"/>
@@ -3651,8 +3579,8 @@
           </a:fontRef>
         </p:style>
       </p:cxnSp>
-      <mc:AlternateContent xmlns:mc="http://schemas.openxmlformats.org/markup-compatibility/2006">
-        <mc:Choice xmlns:a14="http://schemas.microsoft.com/office/drawing/2010/main" Requires="a14">
+      <mc:AlternateContent xmlns:mc="http://schemas.openxmlformats.org/markup-compatibility/2006" xmlns:a14="http://schemas.microsoft.com/office/drawing/2010/main">
+        <mc:Choice Requires="a14">
           <p:sp>
             <p:nvSpPr>
               <p:cNvPr id="14" name="TextBox 13"/>
@@ -3675,6 +3603,7 @@
               </a:bodyPr>
               <a:lstStyle/>
               <a:p>
+                <a:pPr/>
                 <a14:m>
                   <m:oMathPara xmlns:m="http://schemas.openxmlformats.org/officeDocument/2006/math">
                     <m:oMathParaPr>
@@ -3695,7 +3624,7 @@
             </p:txBody>
           </p:sp>
         </mc:Choice>
-        <mc:Fallback>
+        <mc:Fallback xmlns="">
           <p:sp>
             <p:nvSpPr>
               <p:cNvPr id="14" name="TextBox 13"/>
@@ -3734,8 +3663,8 @@
           </p:sp>
         </mc:Fallback>
       </mc:AlternateContent>
-      <mc:AlternateContent xmlns:mc="http://schemas.openxmlformats.org/markup-compatibility/2006">
-        <mc:Choice xmlns:a14="http://schemas.microsoft.com/office/drawing/2010/main" Requires="a14">
+      <mc:AlternateContent xmlns:mc="http://schemas.openxmlformats.org/markup-compatibility/2006" xmlns:a14="http://schemas.microsoft.com/office/drawing/2010/main">
+        <mc:Choice Requires="a14">
           <p:sp>
             <p:nvSpPr>
               <p:cNvPr id="15" name="TextBox 14"/>
@@ -3758,6 +3687,7 @@
               </a:bodyPr>
               <a:lstStyle/>
               <a:p>
+                <a:pPr/>
                 <a14:m>
                   <m:oMathPara xmlns:m="http://schemas.openxmlformats.org/officeDocument/2006/math">
                     <m:oMathParaPr>
@@ -3797,7 +3727,7 @@
             </p:txBody>
           </p:sp>
         </mc:Choice>
-        <mc:Fallback>
+        <mc:Fallback xmlns="">
           <p:sp>
             <p:nvSpPr>
               <p:cNvPr id="15" name="TextBox 14"/>
@@ -3836,8 +3766,8 @@
           </p:sp>
         </mc:Fallback>
       </mc:AlternateContent>
-      <mc:AlternateContent xmlns:mc="http://schemas.openxmlformats.org/markup-compatibility/2006">
-        <mc:Choice xmlns:a14="http://schemas.microsoft.com/office/drawing/2010/main" Requires="a14">
+      <mc:AlternateContent xmlns:mc="http://schemas.openxmlformats.org/markup-compatibility/2006" xmlns:a14="http://schemas.microsoft.com/office/drawing/2010/main">
+        <mc:Choice Requires="a14">
           <p:sp>
             <p:nvSpPr>
               <p:cNvPr id="16" name="TextBox 15"/>
@@ -3860,6 +3790,7 @@
               </a:bodyPr>
               <a:lstStyle/>
               <a:p>
+                <a:pPr/>
                 <a14:m>
                   <m:oMathPara xmlns:m="http://schemas.openxmlformats.org/officeDocument/2006/math">
                     <m:oMathParaPr>
@@ -3899,7 +3830,7 @@
             </p:txBody>
           </p:sp>
         </mc:Choice>
-        <mc:Fallback>
+        <mc:Fallback xmlns="">
           <p:sp>
             <p:nvSpPr>
               <p:cNvPr id="16" name="TextBox 15"/>
@@ -4006,8 +3937,8 @@
           </a:p>
         </p:txBody>
       </p:sp>
-      <mc:AlternateContent xmlns:mc="http://schemas.openxmlformats.org/markup-compatibility/2006">
-        <mc:Choice xmlns:a14="http://schemas.microsoft.com/office/drawing/2010/main" Requires="a14">
+      <mc:AlternateContent xmlns:mc="http://schemas.openxmlformats.org/markup-compatibility/2006" xmlns:a14="http://schemas.microsoft.com/office/drawing/2010/main">
+        <mc:Choice Requires="a14">
           <p:sp>
             <p:nvSpPr>
               <p:cNvPr id="20" name="TextBox 19"/>
@@ -4030,6 +3961,7 @@
               </a:bodyPr>
               <a:lstStyle/>
               <a:p>
+                <a:pPr/>
                 <a14:m>
                   <m:oMathPara xmlns:m="http://schemas.openxmlformats.org/officeDocument/2006/math">
                     <m:oMathParaPr>
@@ -4088,7 +4020,7 @@
             </p:txBody>
           </p:sp>
         </mc:Choice>
-        <mc:Fallback>
+        <mc:Fallback xmlns="">
           <p:sp>
             <p:nvSpPr>
               <p:cNvPr id="20" name="TextBox 19"/>
@@ -4734,8 +4666,8 @@
           </a:fontRef>
         </p:style>
       </p:cxnSp>
-      <mc:AlternateContent xmlns:mc="http://schemas.openxmlformats.org/markup-compatibility/2006">
-        <mc:Choice xmlns:a14="http://schemas.microsoft.com/office/drawing/2010/main" Requires="a14">
+      <mc:AlternateContent xmlns:mc="http://schemas.openxmlformats.org/markup-compatibility/2006" xmlns:a14="http://schemas.microsoft.com/office/drawing/2010/main">
+        <mc:Choice Requires="a14">
           <p:sp>
             <p:nvSpPr>
               <p:cNvPr id="58" name="TextBox 57"/>
@@ -4758,6 +4690,7 @@
               </a:bodyPr>
               <a:lstStyle/>
               <a:p>
+                <a:pPr/>
                 <a14:m>
                   <m:oMathPara xmlns:m="http://schemas.openxmlformats.org/officeDocument/2006/math">
                     <m:oMathParaPr>
@@ -4778,7 +4711,7 @@
             </p:txBody>
           </p:sp>
         </mc:Choice>
-        <mc:Fallback>
+        <mc:Fallback xmlns="">
           <p:sp>
             <p:nvSpPr>
               <p:cNvPr id="58" name="TextBox 57"/>
@@ -4817,8 +4750,8 @@
           </p:sp>
         </mc:Fallback>
       </mc:AlternateContent>
-      <mc:AlternateContent xmlns:mc="http://schemas.openxmlformats.org/markup-compatibility/2006">
-        <mc:Choice xmlns:a14="http://schemas.microsoft.com/office/drawing/2010/main" Requires="a14">
+      <mc:AlternateContent xmlns:mc="http://schemas.openxmlformats.org/markup-compatibility/2006" xmlns:a14="http://schemas.microsoft.com/office/drawing/2010/main">
+        <mc:Choice Requires="a14">
           <p:sp>
             <p:nvSpPr>
               <p:cNvPr id="59" name="TextBox 58"/>
@@ -4841,6 +4774,7 @@
               </a:bodyPr>
               <a:lstStyle/>
               <a:p>
+                <a:pPr/>
                 <a14:m>
                   <m:oMathPara xmlns:m="http://schemas.openxmlformats.org/officeDocument/2006/math">
                     <m:oMathParaPr>
@@ -4880,7 +4814,7 @@
             </p:txBody>
           </p:sp>
         </mc:Choice>
-        <mc:Fallback>
+        <mc:Fallback xmlns="">
           <p:sp>
             <p:nvSpPr>
               <p:cNvPr id="59" name="TextBox 58"/>
@@ -4919,8 +4853,8 @@
           </p:sp>
         </mc:Fallback>
       </mc:AlternateContent>
-      <mc:AlternateContent xmlns:mc="http://schemas.openxmlformats.org/markup-compatibility/2006">
-        <mc:Choice xmlns:a14="http://schemas.microsoft.com/office/drawing/2010/main" Requires="a14">
+      <mc:AlternateContent xmlns:mc="http://schemas.openxmlformats.org/markup-compatibility/2006" xmlns:a14="http://schemas.microsoft.com/office/drawing/2010/main">
+        <mc:Choice Requires="a14">
           <p:sp>
             <p:nvSpPr>
               <p:cNvPr id="60" name="TextBox 59"/>
@@ -4943,6 +4877,7 @@
               </a:bodyPr>
               <a:lstStyle/>
               <a:p>
+                <a:pPr/>
                 <a14:m>
                   <m:oMathPara xmlns:m="http://schemas.openxmlformats.org/officeDocument/2006/math">
                     <m:oMathParaPr>
@@ -4982,7 +4917,7 @@
             </p:txBody>
           </p:sp>
         </mc:Choice>
-        <mc:Fallback>
+        <mc:Fallback xmlns="">
           <p:sp>
             <p:nvSpPr>
               <p:cNvPr id="60" name="TextBox 59"/>
@@ -5021,8 +4956,8 @@
           </p:sp>
         </mc:Fallback>
       </mc:AlternateContent>
-      <mc:AlternateContent xmlns:mc="http://schemas.openxmlformats.org/markup-compatibility/2006">
-        <mc:Choice xmlns:a14="http://schemas.microsoft.com/office/drawing/2010/main" Requires="a14">
+      <mc:AlternateContent xmlns:mc="http://schemas.openxmlformats.org/markup-compatibility/2006" xmlns:a14="http://schemas.microsoft.com/office/drawing/2010/main">
+        <mc:Choice Requires="a14">
           <p:sp>
             <p:nvSpPr>
               <p:cNvPr id="61" name="TextBox 60"/>
@@ -5045,6 +4980,7 @@
               </a:bodyPr>
               <a:lstStyle/>
               <a:p>
+                <a:pPr/>
                 <a14:m>
                   <m:oMathPara xmlns:m="http://schemas.openxmlformats.org/officeDocument/2006/math">
                     <m:oMathParaPr>
@@ -5084,7 +5020,7 @@
             </p:txBody>
           </p:sp>
         </mc:Choice>
-        <mc:Fallback>
+        <mc:Fallback xmlns="">
           <p:sp>
             <p:nvSpPr>
               <p:cNvPr id="61" name="TextBox 60"/>
@@ -5123,8 +5059,8 @@
           </p:sp>
         </mc:Fallback>
       </mc:AlternateContent>
-      <mc:AlternateContent xmlns:mc="http://schemas.openxmlformats.org/markup-compatibility/2006">
-        <mc:Choice xmlns:a14="http://schemas.microsoft.com/office/drawing/2010/main" Requires="a14">
+      <mc:AlternateContent xmlns:mc="http://schemas.openxmlformats.org/markup-compatibility/2006" xmlns:a14="http://schemas.microsoft.com/office/drawing/2010/main">
+        <mc:Choice Requires="a14">
           <p:sp>
             <p:nvSpPr>
               <p:cNvPr id="62" name="TextBox 61"/>
@@ -5147,6 +5083,7 @@
               </a:bodyPr>
               <a:lstStyle/>
               <a:p>
+                <a:pPr/>
                 <a14:m>
                   <m:oMathPara xmlns:m="http://schemas.openxmlformats.org/officeDocument/2006/math">
                     <m:oMathParaPr>
@@ -5167,7 +5104,7 @@
             </p:txBody>
           </p:sp>
         </mc:Choice>
-        <mc:Fallback>
+        <mc:Fallback xmlns="">
           <p:sp>
             <p:nvSpPr>
               <p:cNvPr id="62" name="TextBox 61"/>
@@ -5206,8 +5143,8 @@
           </p:sp>
         </mc:Fallback>
       </mc:AlternateContent>
-      <mc:AlternateContent xmlns:mc="http://schemas.openxmlformats.org/markup-compatibility/2006">
-        <mc:Choice xmlns:a14="http://schemas.microsoft.com/office/drawing/2010/main" Requires="a14">
+      <mc:AlternateContent xmlns:mc="http://schemas.openxmlformats.org/markup-compatibility/2006" xmlns:a14="http://schemas.microsoft.com/office/drawing/2010/main">
+        <mc:Choice Requires="a14">
           <p:sp>
             <p:nvSpPr>
               <p:cNvPr id="63" name="TextBox 62"/>
@@ -5230,6 +5167,7 @@
               </a:bodyPr>
               <a:lstStyle/>
               <a:p>
+                <a:pPr/>
                 <a14:m>
                   <m:oMathPara xmlns:m="http://schemas.openxmlformats.org/officeDocument/2006/math">
                     <m:oMathParaPr>
@@ -5294,7 +5232,7 @@
             </p:txBody>
           </p:sp>
         </mc:Choice>
-        <mc:Fallback>
+        <mc:Fallback xmlns="">
           <p:sp>
             <p:nvSpPr>
               <p:cNvPr id="63" name="TextBox 62"/>
@@ -5333,8 +5271,8 @@
           </p:sp>
         </mc:Fallback>
       </mc:AlternateContent>
-      <mc:AlternateContent xmlns:mc="http://schemas.openxmlformats.org/markup-compatibility/2006">
-        <mc:Choice xmlns:a14="http://schemas.microsoft.com/office/drawing/2010/main" Requires="a14">
+      <mc:AlternateContent xmlns:mc="http://schemas.openxmlformats.org/markup-compatibility/2006" xmlns:a14="http://schemas.microsoft.com/office/drawing/2010/main">
+        <mc:Choice Requires="a14">
           <p:sp>
             <p:nvSpPr>
               <p:cNvPr id="64" name="TextBox 63"/>
@@ -5357,6 +5295,7 @@
               </a:bodyPr>
               <a:lstStyle/>
               <a:p>
+                <a:pPr/>
                 <a14:m>
                   <m:oMathPara xmlns:m="http://schemas.openxmlformats.org/officeDocument/2006/math">
                     <m:oMathParaPr>
@@ -5421,7 +5360,7 @@
             </p:txBody>
           </p:sp>
         </mc:Choice>
-        <mc:Fallback>
+        <mc:Fallback xmlns="">
           <p:sp>
             <p:nvSpPr>
               <p:cNvPr id="64" name="TextBox 63"/>
@@ -5460,8 +5399,8 @@
           </p:sp>
         </mc:Fallback>
       </mc:AlternateContent>
-      <mc:AlternateContent xmlns:mc="http://schemas.openxmlformats.org/markup-compatibility/2006">
-        <mc:Choice xmlns:a14="http://schemas.microsoft.com/office/drawing/2010/main" Requires="a14">
+      <mc:AlternateContent xmlns:mc="http://schemas.openxmlformats.org/markup-compatibility/2006" xmlns:a14="http://schemas.microsoft.com/office/drawing/2010/main">
+        <mc:Choice Requires="a14">
           <p:sp>
             <p:nvSpPr>
               <p:cNvPr id="65" name="TextBox 64"/>
@@ -5484,6 +5423,7 @@
               </a:bodyPr>
               <a:lstStyle/>
               <a:p>
+                <a:pPr/>
                 <a14:m>
                   <m:oMathPara xmlns:m="http://schemas.openxmlformats.org/officeDocument/2006/math">
                     <m:oMathParaPr>
@@ -5548,7 +5488,7 @@
             </p:txBody>
           </p:sp>
         </mc:Choice>
-        <mc:Fallback>
+        <mc:Fallback xmlns="">
           <p:sp>
             <p:nvSpPr>
               <p:cNvPr id="65" name="TextBox 64"/>
@@ -5587,8 +5527,8 @@
           </p:sp>
         </mc:Fallback>
       </mc:AlternateContent>
-      <mc:AlternateContent xmlns:mc="http://schemas.openxmlformats.org/markup-compatibility/2006">
-        <mc:Choice xmlns:a14="http://schemas.microsoft.com/office/drawing/2010/main" Requires="a14">
+      <mc:AlternateContent xmlns:mc="http://schemas.openxmlformats.org/markup-compatibility/2006" xmlns:a14="http://schemas.microsoft.com/office/drawing/2010/main">
+        <mc:Choice Requires="a14">
           <p:sp>
             <p:nvSpPr>
               <p:cNvPr id="66" name="TextBox 65"/>
@@ -5611,6 +5551,7 @@
               </a:bodyPr>
               <a:lstStyle/>
               <a:p>
+                <a:pPr/>
                 <a14:m>
                   <m:oMathPara xmlns:m="http://schemas.openxmlformats.org/officeDocument/2006/math">
                     <m:oMathParaPr>
@@ -5669,7 +5610,7 @@
             </p:txBody>
           </p:sp>
         </mc:Choice>
-        <mc:Fallback>
+        <mc:Fallback xmlns="">
           <p:sp>
             <p:nvSpPr>
               <p:cNvPr id="66" name="TextBox 65"/>
@@ -5848,8 +5789,8 @@
           </a:fontRef>
         </p:style>
       </p:cxnSp>
-      <mc:AlternateContent xmlns:mc="http://schemas.openxmlformats.org/markup-compatibility/2006">
-        <mc:Choice xmlns:a14="http://schemas.microsoft.com/office/drawing/2010/main" Requires="a14">
+      <mc:AlternateContent xmlns:mc="http://schemas.openxmlformats.org/markup-compatibility/2006" xmlns:a14="http://schemas.microsoft.com/office/drawing/2010/main">
+        <mc:Choice Requires="a14">
           <p:sp>
             <p:nvSpPr>
               <p:cNvPr id="75" name="TextBox 74"/>
@@ -5897,7 +5838,7 @@
             </p:txBody>
           </p:sp>
         </mc:Choice>
-        <mc:Fallback>
+        <mc:Fallback xmlns="">
           <p:sp>
             <p:nvSpPr>
               <p:cNvPr id="75" name="TextBox 74"/>
@@ -5936,8 +5877,8 @@
           </p:sp>
         </mc:Fallback>
       </mc:AlternateContent>
-      <mc:AlternateContent xmlns:mc="http://schemas.openxmlformats.org/markup-compatibility/2006">
-        <mc:Choice xmlns:a14="http://schemas.microsoft.com/office/drawing/2010/main" Requires="a14">
+      <mc:AlternateContent xmlns:mc="http://schemas.openxmlformats.org/markup-compatibility/2006" xmlns:a14="http://schemas.microsoft.com/office/drawing/2010/main">
+        <mc:Choice Requires="a14">
           <p:sp>
             <p:nvSpPr>
               <p:cNvPr id="76" name="TextBox 75"/>
@@ -5985,7 +5926,7 @@
             </p:txBody>
           </p:sp>
         </mc:Choice>
-        <mc:Fallback>
+        <mc:Fallback xmlns="">
           <p:sp>
             <p:nvSpPr>
               <p:cNvPr id="76" name="TextBox 75"/>
@@ -6028,6 +5969,1510 @@
     <p:extLst>
       <p:ext uri="{BB962C8B-B14F-4D97-AF65-F5344CB8AC3E}">
         <p14:creationId xmlns:p14="http://schemas.microsoft.com/office/powerpoint/2010/main" val="3703442943"/>
+      </p:ext>
+    </p:extLst>
+  </p:cSld>
+  <p:clrMapOvr>
+    <a:masterClrMapping/>
+  </p:clrMapOvr>
+  <p:timing>
+    <p:tnLst>
+      <p:par>
+        <p:cTn id="1" dur="indefinite" restart="never" nodeType="tmRoot"/>
+      </p:par>
+    </p:tnLst>
+  </p:timing>
+</p:sld>
+</file>
+
+<file path=ppt/slides/slide2.xml><?xml version="1.0" encoding="utf-8"?>
+<p:sld xmlns:a="http://schemas.openxmlformats.org/drawingml/2006/main" xmlns:r="http://schemas.openxmlformats.org/officeDocument/2006/relationships" xmlns:p="http://schemas.openxmlformats.org/presentationml/2006/main">
+  <p:cSld>
+    <p:spTree>
+      <p:nvGrpSpPr>
+        <p:cNvPr id="1" name=""/>
+        <p:cNvGrpSpPr/>
+        <p:nvPr/>
+      </p:nvGrpSpPr>
+      <p:grpSpPr>
+        <a:xfrm>
+          <a:off x="0" y="0"/>
+          <a:ext cx="0" cy="0"/>
+          <a:chOff x="0" y="0"/>
+          <a:chExt cx="0" cy="0"/>
+        </a:xfrm>
+      </p:grpSpPr>
+      <p:sp>
+        <p:nvSpPr>
+          <p:cNvPr id="2" name="Oval 1"/>
+          <p:cNvSpPr/>
+          <p:nvPr/>
+        </p:nvSpPr>
+        <p:spPr>
+          <a:xfrm>
+            <a:off x="1828800" y="647700"/>
+            <a:ext cx="1143000" cy="342900"/>
+          </a:xfrm>
+          <a:prstGeom prst="ellipse">
+            <a:avLst/>
+          </a:prstGeom>
+          <a:noFill/>
+          <a:ln w="9525">
+            <a:solidFill>
+              <a:schemeClr val="tx1"/>
+            </a:solidFill>
+          </a:ln>
+        </p:spPr>
+        <p:style>
+          <a:lnRef idx="2">
+            <a:schemeClr val="accent1">
+              <a:shade val="50000"/>
+            </a:schemeClr>
+          </a:lnRef>
+          <a:fillRef idx="1">
+            <a:schemeClr val="accent1"/>
+          </a:fillRef>
+          <a:effectRef idx="0">
+            <a:schemeClr val="accent1"/>
+          </a:effectRef>
+          <a:fontRef idx="minor">
+            <a:schemeClr val="lt1"/>
+          </a:fontRef>
+        </p:style>
+        <p:txBody>
+          <a:bodyPr rtlCol="0" anchor="ctr"/>
+          <a:lstStyle/>
+          <a:p>
+            <a:pPr algn="ctr"/>
+            <a:r>
+              <a:rPr lang="en-US" sz="1200" dirty="0" err="1" smtClean="0">
+                <a:solidFill>
+                  <a:schemeClr val="tx1"/>
+                </a:solidFill>
+              </a:rPr>
+              <a:t>Attr</a:t>
+            </a:r>
+            <a:r>
+              <a:rPr lang="en-US" sz="1200" dirty="0" smtClean="0">
+                <a:solidFill>
+                  <a:schemeClr val="tx1"/>
+                </a:solidFill>
+              </a:rPr>
+              <a:t>: 9</a:t>
+            </a:r>
+            <a:endParaRPr lang="en-US" sz="1200" dirty="0">
+              <a:solidFill>
+                <a:schemeClr val="tx1"/>
+              </a:solidFill>
+            </a:endParaRPr>
+          </a:p>
+        </p:txBody>
+      </p:sp>
+      <p:sp>
+        <p:nvSpPr>
+          <p:cNvPr id="3" name="Oval 2"/>
+          <p:cNvSpPr/>
+          <p:nvPr/>
+        </p:nvSpPr>
+        <p:spPr>
+          <a:xfrm>
+            <a:off x="457200" y="1219200"/>
+            <a:ext cx="1143000" cy="342900"/>
+          </a:xfrm>
+          <a:prstGeom prst="ellipse">
+            <a:avLst/>
+          </a:prstGeom>
+          <a:noFill/>
+          <a:ln w="9525">
+            <a:solidFill>
+              <a:schemeClr val="tx1"/>
+            </a:solidFill>
+          </a:ln>
+        </p:spPr>
+        <p:style>
+          <a:lnRef idx="2">
+            <a:schemeClr val="accent1">
+              <a:shade val="50000"/>
+            </a:schemeClr>
+          </a:lnRef>
+          <a:fillRef idx="1">
+            <a:schemeClr val="accent1"/>
+          </a:fillRef>
+          <a:effectRef idx="0">
+            <a:schemeClr val="accent1"/>
+          </a:effectRef>
+          <a:fontRef idx="minor">
+            <a:schemeClr val="lt1"/>
+          </a:fontRef>
+        </p:style>
+        <p:txBody>
+          <a:bodyPr rtlCol="0" anchor="ctr"/>
+          <a:lstStyle/>
+          <a:p>
+            <a:pPr algn="ctr"/>
+            <a:r>
+              <a:rPr lang="en-US" sz="1200" dirty="0" err="1" smtClean="0">
+                <a:solidFill>
+                  <a:schemeClr val="tx1"/>
+                </a:solidFill>
+              </a:rPr>
+              <a:t>Attr</a:t>
+            </a:r>
+            <a:r>
+              <a:rPr lang="en-US" sz="1200" dirty="0" smtClean="0">
+                <a:solidFill>
+                  <a:schemeClr val="tx1"/>
+                </a:solidFill>
+              </a:rPr>
+              <a:t>: 15</a:t>
+            </a:r>
+            <a:endParaRPr lang="en-US" sz="1200" dirty="0">
+              <a:solidFill>
+                <a:schemeClr val="tx1"/>
+              </a:solidFill>
+            </a:endParaRPr>
+          </a:p>
+        </p:txBody>
+      </p:sp>
+      <p:sp>
+        <p:nvSpPr>
+          <p:cNvPr id="4" name="Oval 3"/>
+          <p:cNvSpPr/>
+          <p:nvPr/>
+        </p:nvSpPr>
+        <p:spPr>
+          <a:xfrm>
+            <a:off x="3200400" y="1219200"/>
+            <a:ext cx="1143000" cy="342900"/>
+          </a:xfrm>
+          <a:prstGeom prst="ellipse">
+            <a:avLst/>
+          </a:prstGeom>
+          <a:noFill/>
+          <a:ln w="9525">
+            <a:solidFill>
+              <a:schemeClr val="tx1"/>
+            </a:solidFill>
+          </a:ln>
+        </p:spPr>
+        <p:style>
+          <a:lnRef idx="2">
+            <a:schemeClr val="accent1">
+              <a:shade val="50000"/>
+            </a:schemeClr>
+          </a:lnRef>
+          <a:fillRef idx="1">
+            <a:schemeClr val="accent1"/>
+          </a:fillRef>
+          <a:effectRef idx="0">
+            <a:schemeClr val="accent1"/>
+          </a:effectRef>
+          <a:fontRef idx="minor">
+            <a:schemeClr val="lt1"/>
+          </a:fontRef>
+        </p:style>
+        <p:txBody>
+          <a:bodyPr rtlCol="0" anchor="ctr"/>
+          <a:lstStyle/>
+          <a:p>
+            <a:pPr algn="ctr"/>
+            <a:r>
+              <a:rPr lang="en-US" sz="1200" dirty="0" err="1" smtClean="0">
+                <a:solidFill>
+                  <a:schemeClr val="tx1"/>
+                </a:solidFill>
+              </a:rPr>
+              <a:t>Attr</a:t>
+            </a:r>
+            <a:r>
+              <a:rPr lang="en-US" sz="1200" dirty="0" smtClean="0">
+                <a:solidFill>
+                  <a:schemeClr val="tx1"/>
+                </a:solidFill>
+              </a:rPr>
+              <a:t>: 6</a:t>
+            </a:r>
+            <a:endParaRPr lang="en-US" sz="1200" dirty="0">
+              <a:solidFill>
+                <a:schemeClr val="tx1"/>
+              </a:solidFill>
+            </a:endParaRPr>
+          </a:p>
+        </p:txBody>
+      </p:sp>
+      <p:sp>
+        <p:nvSpPr>
+          <p:cNvPr id="5" name="Oval 4"/>
+          <p:cNvSpPr/>
+          <p:nvPr/>
+        </p:nvSpPr>
+        <p:spPr>
+          <a:xfrm>
+            <a:off x="6400800" y="647700"/>
+            <a:ext cx="1143000" cy="342900"/>
+          </a:xfrm>
+          <a:prstGeom prst="ellipse">
+            <a:avLst/>
+          </a:prstGeom>
+          <a:noFill/>
+          <a:ln w="9525">
+            <a:solidFill>
+              <a:schemeClr val="tx1"/>
+            </a:solidFill>
+          </a:ln>
+        </p:spPr>
+        <p:style>
+          <a:lnRef idx="2">
+            <a:schemeClr val="accent1">
+              <a:shade val="50000"/>
+            </a:schemeClr>
+          </a:lnRef>
+          <a:fillRef idx="1">
+            <a:schemeClr val="accent1"/>
+          </a:fillRef>
+          <a:effectRef idx="0">
+            <a:schemeClr val="accent1"/>
+          </a:effectRef>
+          <a:fontRef idx="minor">
+            <a:schemeClr val="lt1"/>
+          </a:fontRef>
+        </p:style>
+        <p:txBody>
+          <a:bodyPr lIns="0" rIns="0" rtlCol="0" anchor="ctr"/>
+          <a:lstStyle/>
+          <a:p>
+            <a:pPr algn="ctr"/>
+            <a:r>
+              <a:rPr lang="en-US" sz="1200" dirty="0" err="1" smtClean="0">
+                <a:solidFill>
+                  <a:schemeClr val="tx1"/>
+                </a:solidFill>
+              </a:rPr>
+              <a:t>Attr</a:t>
+            </a:r>
+            <a:r>
+              <a:rPr lang="en-US" sz="1200" dirty="0" smtClean="0">
+                <a:solidFill>
+                  <a:schemeClr val="tx1"/>
+                </a:solidFill>
+              </a:rPr>
+              <a:t>: 11</a:t>
+            </a:r>
+          </a:p>
+          <a:p>
+            <a:pPr algn="ctr"/>
+            <a:r>
+              <a:rPr lang="en-US" sz="1200" dirty="0" smtClean="0">
+                <a:solidFill>
+                  <a:schemeClr val="tx1"/>
+                </a:solidFill>
+              </a:rPr>
+              <a:t>Thresh: 2.5</a:t>
+            </a:r>
+            <a:endParaRPr lang="en-US" sz="1200" dirty="0">
+              <a:solidFill>
+                <a:schemeClr val="tx1"/>
+              </a:solidFill>
+            </a:endParaRPr>
+          </a:p>
+        </p:txBody>
+      </p:sp>
+      <p:sp>
+        <p:nvSpPr>
+          <p:cNvPr id="6" name="Oval 5"/>
+          <p:cNvSpPr/>
+          <p:nvPr/>
+        </p:nvSpPr>
+        <p:spPr>
+          <a:xfrm>
+            <a:off x="5029200" y="1219200"/>
+            <a:ext cx="1143000" cy="342900"/>
+          </a:xfrm>
+          <a:prstGeom prst="ellipse">
+            <a:avLst/>
+          </a:prstGeom>
+          <a:noFill/>
+          <a:ln w="9525">
+            <a:solidFill>
+              <a:schemeClr val="tx1"/>
+            </a:solidFill>
+          </a:ln>
+        </p:spPr>
+        <p:style>
+          <a:lnRef idx="2">
+            <a:schemeClr val="accent1">
+              <a:shade val="50000"/>
+            </a:schemeClr>
+          </a:lnRef>
+          <a:fillRef idx="1">
+            <a:schemeClr val="accent1"/>
+          </a:fillRef>
+          <a:effectRef idx="0">
+            <a:schemeClr val="accent1"/>
+          </a:effectRef>
+          <a:fontRef idx="minor">
+            <a:schemeClr val="lt1"/>
+          </a:fontRef>
+        </p:style>
+        <p:txBody>
+          <a:bodyPr rtlCol="0" anchor="ctr"/>
+          <a:lstStyle/>
+          <a:p>
+            <a:pPr algn="ctr"/>
+            <a:r>
+              <a:rPr lang="en-US" sz="1200" dirty="0" err="1" smtClean="0">
+                <a:solidFill>
+                  <a:schemeClr val="tx1"/>
+                </a:solidFill>
+              </a:rPr>
+              <a:t>Attr</a:t>
+            </a:r>
+            <a:r>
+              <a:rPr lang="en-US" sz="1200" dirty="0" smtClean="0">
+                <a:solidFill>
+                  <a:schemeClr val="tx1"/>
+                </a:solidFill>
+              </a:rPr>
+              <a:t>: 6</a:t>
+            </a:r>
+            <a:endParaRPr lang="en-US" sz="1200" dirty="0">
+              <a:solidFill>
+                <a:schemeClr val="tx1"/>
+              </a:solidFill>
+            </a:endParaRPr>
+          </a:p>
+        </p:txBody>
+      </p:sp>
+      <p:sp>
+        <p:nvSpPr>
+          <p:cNvPr id="7" name="Oval 6"/>
+          <p:cNvSpPr/>
+          <p:nvPr/>
+        </p:nvSpPr>
+        <p:spPr>
+          <a:xfrm>
+            <a:off x="7772400" y="1219200"/>
+            <a:ext cx="1143000" cy="342900"/>
+          </a:xfrm>
+          <a:prstGeom prst="ellipse">
+            <a:avLst/>
+          </a:prstGeom>
+          <a:noFill/>
+          <a:ln w="9525">
+            <a:solidFill>
+              <a:schemeClr val="tx1"/>
+            </a:solidFill>
+          </a:ln>
+        </p:spPr>
+        <p:style>
+          <a:lnRef idx="2">
+            <a:schemeClr val="accent1">
+              <a:shade val="50000"/>
+            </a:schemeClr>
+          </a:lnRef>
+          <a:fillRef idx="1">
+            <a:schemeClr val="accent1"/>
+          </a:fillRef>
+          <a:effectRef idx="0">
+            <a:schemeClr val="accent1"/>
+          </a:effectRef>
+          <a:fontRef idx="minor">
+            <a:schemeClr val="lt1"/>
+          </a:fontRef>
+        </p:style>
+        <p:txBody>
+          <a:bodyPr rtlCol="0" anchor="ctr"/>
+          <a:lstStyle/>
+          <a:p>
+            <a:pPr algn="ctr"/>
+            <a:r>
+              <a:rPr lang="en-US" sz="1200" dirty="0" err="1" smtClean="0">
+                <a:solidFill>
+                  <a:schemeClr val="tx1"/>
+                </a:solidFill>
+              </a:rPr>
+              <a:t>Attr</a:t>
+            </a:r>
+            <a:r>
+              <a:rPr lang="en-US" sz="1200" dirty="0" smtClean="0">
+                <a:solidFill>
+                  <a:schemeClr val="tx1"/>
+                </a:solidFill>
+              </a:rPr>
+              <a:t>: 6</a:t>
+            </a:r>
+            <a:endParaRPr lang="en-US" sz="1200" dirty="0">
+              <a:solidFill>
+                <a:schemeClr val="tx1"/>
+              </a:solidFill>
+            </a:endParaRPr>
+          </a:p>
+        </p:txBody>
+      </p:sp>
+      <p:cxnSp>
+        <p:nvCxnSpPr>
+          <p:cNvPr id="9" name="Straight Connector 8"/>
+          <p:cNvCxnSpPr>
+            <a:stCxn id="3" idx="7"/>
+            <a:endCxn id="2" idx="3"/>
+          </p:cNvCxnSpPr>
+          <p:nvPr/>
+        </p:nvCxnSpPr>
+        <p:spPr>
+          <a:xfrm flipV="1">
+            <a:off x="1432812" y="940383"/>
+            <a:ext cx="563376" cy="329034"/>
+          </a:xfrm>
+          <a:prstGeom prst="line">
+            <a:avLst/>
+          </a:prstGeom>
+          <a:ln>
+            <a:solidFill>
+              <a:schemeClr val="tx1"/>
+            </a:solidFill>
+          </a:ln>
+        </p:spPr>
+        <p:style>
+          <a:lnRef idx="1">
+            <a:schemeClr val="accent1"/>
+          </a:lnRef>
+          <a:fillRef idx="0">
+            <a:schemeClr val="accent1"/>
+          </a:fillRef>
+          <a:effectRef idx="0">
+            <a:schemeClr val="accent1"/>
+          </a:effectRef>
+          <a:fontRef idx="minor">
+            <a:schemeClr val="tx1"/>
+          </a:fontRef>
+        </p:style>
+      </p:cxnSp>
+      <p:cxnSp>
+        <p:nvCxnSpPr>
+          <p:cNvPr id="11" name="Straight Connector 10"/>
+          <p:cNvCxnSpPr>
+            <a:stCxn id="4" idx="1"/>
+            <a:endCxn id="2" idx="5"/>
+          </p:cNvCxnSpPr>
+          <p:nvPr/>
+        </p:nvCxnSpPr>
+        <p:spPr>
+          <a:xfrm flipH="1" flipV="1">
+            <a:off x="2804412" y="940383"/>
+            <a:ext cx="563376" cy="329034"/>
+          </a:xfrm>
+          <a:prstGeom prst="line">
+            <a:avLst/>
+          </a:prstGeom>
+          <a:ln>
+            <a:solidFill>
+              <a:schemeClr val="tx1"/>
+            </a:solidFill>
+          </a:ln>
+        </p:spPr>
+        <p:style>
+          <a:lnRef idx="1">
+            <a:schemeClr val="accent1"/>
+          </a:lnRef>
+          <a:fillRef idx="0">
+            <a:schemeClr val="accent1"/>
+          </a:fillRef>
+          <a:effectRef idx="0">
+            <a:schemeClr val="accent1"/>
+          </a:effectRef>
+          <a:fontRef idx="minor">
+            <a:schemeClr val="tx1"/>
+          </a:fontRef>
+        </p:style>
+      </p:cxnSp>
+      <p:cxnSp>
+        <p:nvCxnSpPr>
+          <p:cNvPr id="14" name="Straight Connector 13"/>
+          <p:cNvCxnSpPr>
+            <a:stCxn id="6" idx="7"/>
+            <a:endCxn id="5" idx="3"/>
+          </p:cNvCxnSpPr>
+          <p:nvPr/>
+        </p:nvCxnSpPr>
+        <p:spPr>
+          <a:xfrm flipV="1">
+            <a:off x="6004812" y="940383"/>
+            <a:ext cx="563376" cy="329034"/>
+          </a:xfrm>
+          <a:prstGeom prst="line">
+            <a:avLst/>
+          </a:prstGeom>
+          <a:ln>
+            <a:solidFill>
+              <a:schemeClr val="tx1"/>
+            </a:solidFill>
+          </a:ln>
+        </p:spPr>
+        <p:style>
+          <a:lnRef idx="1">
+            <a:schemeClr val="accent1"/>
+          </a:lnRef>
+          <a:fillRef idx="0">
+            <a:schemeClr val="accent1"/>
+          </a:fillRef>
+          <a:effectRef idx="0">
+            <a:schemeClr val="accent1"/>
+          </a:effectRef>
+          <a:fontRef idx="minor">
+            <a:schemeClr val="tx1"/>
+          </a:fontRef>
+        </p:style>
+      </p:cxnSp>
+      <p:cxnSp>
+        <p:nvCxnSpPr>
+          <p:cNvPr id="15" name="Straight Connector 14"/>
+          <p:cNvCxnSpPr>
+            <a:stCxn id="7" idx="1"/>
+            <a:endCxn id="5" idx="5"/>
+          </p:cNvCxnSpPr>
+          <p:nvPr/>
+        </p:nvCxnSpPr>
+        <p:spPr>
+          <a:xfrm flipH="1" flipV="1">
+            <a:off x="7376412" y="940383"/>
+            <a:ext cx="563376" cy="329034"/>
+          </a:xfrm>
+          <a:prstGeom prst="line">
+            <a:avLst/>
+          </a:prstGeom>
+          <a:ln>
+            <a:solidFill>
+              <a:schemeClr val="tx1"/>
+            </a:solidFill>
+          </a:ln>
+        </p:spPr>
+        <p:style>
+          <a:lnRef idx="1">
+            <a:schemeClr val="accent1"/>
+          </a:lnRef>
+          <a:fillRef idx="0">
+            <a:schemeClr val="accent1"/>
+          </a:fillRef>
+          <a:effectRef idx="0">
+            <a:schemeClr val="accent1"/>
+          </a:effectRef>
+          <a:fontRef idx="minor">
+            <a:schemeClr val="tx1"/>
+          </a:fontRef>
+        </p:style>
+      </p:cxnSp>
+      <p:sp>
+        <p:nvSpPr>
+          <p:cNvPr id="21" name="TextBox 20"/>
+          <p:cNvSpPr txBox="1"/>
+          <p:nvPr/>
+        </p:nvSpPr>
+        <p:spPr>
+          <a:xfrm>
+            <a:off x="1981200" y="316468"/>
+            <a:ext cx="865943" cy="276999"/>
+          </a:xfrm>
+          <a:prstGeom prst="rect">
+            <a:avLst/>
+          </a:prstGeom>
+          <a:noFill/>
+        </p:spPr>
+        <p:txBody>
+          <a:bodyPr wrap="none" rtlCol="0">
+            <a:spAutoFit/>
+          </a:bodyPr>
+          <a:lstStyle/>
+          <a:p>
+            <a:r>
+              <a:rPr lang="en-US" sz="1200" i="1" dirty="0" smtClean="0">
+                <a:latin typeface="Times New Roman" panose="02020603050405020304" pitchFamily="18" charset="0"/>
+                <a:cs typeface="Times New Roman" panose="02020603050405020304" pitchFamily="18" charset="0"/>
+              </a:rPr>
+              <a:t>E</a:t>
+            </a:r>
+            <a:r>
+              <a:rPr lang="en-US" sz="1200" dirty="0" smtClean="0">
+                <a:latin typeface="Times New Roman" panose="02020603050405020304" pitchFamily="18" charset="0"/>
+                <a:cs typeface="Times New Roman" panose="02020603050405020304" pitchFamily="18" charset="0"/>
+              </a:rPr>
+              <a:t>=0.98765</a:t>
+            </a:r>
+            <a:endParaRPr lang="en-US" sz="1200" dirty="0">
+              <a:latin typeface="Times New Roman" panose="02020603050405020304" pitchFamily="18" charset="0"/>
+              <a:cs typeface="Times New Roman" panose="02020603050405020304" pitchFamily="18" charset="0"/>
+            </a:endParaRPr>
+          </a:p>
+        </p:txBody>
+      </p:sp>
+      <p:sp>
+        <p:nvSpPr>
+          <p:cNvPr id="22" name="TextBox 21"/>
+          <p:cNvSpPr txBox="1"/>
+          <p:nvPr/>
+        </p:nvSpPr>
+        <p:spPr>
+          <a:xfrm>
+            <a:off x="6539328" y="353199"/>
+            <a:ext cx="865943" cy="276999"/>
+          </a:xfrm>
+          <a:prstGeom prst="rect">
+            <a:avLst/>
+          </a:prstGeom>
+          <a:noFill/>
+        </p:spPr>
+        <p:txBody>
+          <a:bodyPr wrap="none" rtlCol="0">
+            <a:spAutoFit/>
+          </a:bodyPr>
+          <a:lstStyle/>
+          <a:p>
+            <a:r>
+              <a:rPr lang="en-US" sz="1200" i="1" dirty="0" smtClean="0">
+                <a:latin typeface="Times New Roman" panose="02020603050405020304" pitchFamily="18" charset="0"/>
+                <a:cs typeface="Times New Roman" panose="02020603050405020304" pitchFamily="18" charset="0"/>
+              </a:rPr>
+              <a:t>E</a:t>
+            </a:r>
+            <a:r>
+              <a:rPr lang="en-US" sz="1200" dirty="0" smtClean="0">
+                <a:latin typeface="Times New Roman" panose="02020603050405020304" pitchFamily="18" charset="0"/>
+                <a:cs typeface="Times New Roman" panose="02020603050405020304" pitchFamily="18" charset="0"/>
+              </a:rPr>
+              <a:t>=0.99983</a:t>
+            </a:r>
+            <a:endParaRPr lang="en-US" sz="1200" dirty="0">
+              <a:latin typeface="Times New Roman" panose="02020603050405020304" pitchFamily="18" charset="0"/>
+              <a:cs typeface="Times New Roman" panose="02020603050405020304" pitchFamily="18" charset="0"/>
+            </a:endParaRPr>
+          </a:p>
+        </p:txBody>
+      </p:sp>
+      <p:sp>
+        <p:nvSpPr>
+          <p:cNvPr id="23" name="TextBox 22"/>
+          <p:cNvSpPr txBox="1"/>
+          <p:nvPr/>
+        </p:nvSpPr>
+        <p:spPr>
+          <a:xfrm>
+            <a:off x="566869" y="933775"/>
+            <a:ext cx="865943" cy="276999"/>
+          </a:xfrm>
+          <a:prstGeom prst="rect">
+            <a:avLst/>
+          </a:prstGeom>
+          <a:noFill/>
+        </p:spPr>
+        <p:txBody>
+          <a:bodyPr wrap="none" rtlCol="0">
+            <a:spAutoFit/>
+          </a:bodyPr>
+          <a:lstStyle/>
+          <a:p>
+            <a:r>
+              <a:rPr lang="en-US" sz="1200" i="1" dirty="0" smtClean="0">
+                <a:latin typeface="Times New Roman" panose="02020603050405020304" pitchFamily="18" charset="0"/>
+                <a:cs typeface="Times New Roman" panose="02020603050405020304" pitchFamily="18" charset="0"/>
+              </a:rPr>
+              <a:t>E</a:t>
+            </a:r>
+            <a:r>
+              <a:rPr lang="en-US" sz="1200" dirty="0" smtClean="0">
+                <a:latin typeface="Times New Roman" panose="02020603050405020304" pitchFamily="18" charset="0"/>
+                <a:cs typeface="Times New Roman" panose="02020603050405020304" pitchFamily="18" charset="0"/>
+              </a:rPr>
+              <a:t>=0.47600</a:t>
+            </a:r>
+            <a:endParaRPr lang="en-US" sz="1200" dirty="0">
+              <a:latin typeface="Times New Roman" panose="02020603050405020304" pitchFamily="18" charset="0"/>
+              <a:cs typeface="Times New Roman" panose="02020603050405020304" pitchFamily="18" charset="0"/>
+            </a:endParaRPr>
+          </a:p>
+        </p:txBody>
+      </p:sp>
+      <p:sp>
+        <p:nvSpPr>
+          <p:cNvPr id="24" name="TextBox 23"/>
+          <p:cNvSpPr txBox="1"/>
+          <p:nvPr/>
+        </p:nvSpPr>
+        <p:spPr>
+          <a:xfrm>
+            <a:off x="3338928" y="954643"/>
+            <a:ext cx="865943" cy="276999"/>
+          </a:xfrm>
+          <a:prstGeom prst="rect">
+            <a:avLst/>
+          </a:prstGeom>
+          <a:noFill/>
+        </p:spPr>
+        <p:txBody>
+          <a:bodyPr wrap="none" rtlCol="0">
+            <a:spAutoFit/>
+          </a:bodyPr>
+          <a:lstStyle/>
+          <a:p>
+            <a:r>
+              <a:rPr lang="en-US" sz="1200" i="1" dirty="0" smtClean="0">
+                <a:latin typeface="Times New Roman" panose="02020603050405020304" pitchFamily="18" charset="0"/>
+                <a:cs typeface="Times New Roman" panose="02020603050405020304" pitchFamily="18" charset="0"/>
+              </a:rPr>
+              <a:t>E</a:t>
+            </a:r>
+            <a:r>
+              <a:rPr lang="en-US" sz="1200" dirty="0" smtClean="0">
+                <a:latin typeface="Times New Roman" panose="02020603050405020304" pitchFamily="18" charset="0"/>
+                <a:cs typeface="Times New Roman" panose="02020603050405020304" pitchFamily="18" charset="0"/>
+              </a:rPr>
+              <a:t>=0.24917</a:t>
+            </a:r>
+            <a:endParaRPr lang="en-US" sz="1200" dirty="0">
+              <a:latin typeface="Times New Roman" panose="02020603050405020304" pitchFamily="18" charset="0"/>
+              <a:cs typeface="Times New Roman" panose="02020603050405020304" pitchFamily="18" charset="0"/>
+            </a:endParaRPr>
+          </a:p>
+        </p:txBody>
+      </p:sp>
+      <p:sp>
+        <p:nvSpPr>
+          <p:cNvPr id="25" name="TextBox 24"/>
+          <p:cNvSpPr txBox="1"/>
+          <p:nvPr/>
+        </p:nvSpPr>
+        <p:spPr>
+          <a:xfrm>
+            <a:off x="5167728" y="995660"/>
+            <a:ext cx="865943" cy="276999"/>
+          </a:xfrm>
+          <a:prstGeom prst="rect">
+            <a:avLst/>
+          </a:prstGeom>
+          <a:noFill/>
+        </p:spPr>
+        <p:txBody>
+          <a:bodyPr wrap="none" rtlCol="0">
+            <a:spAutoFit/>
+          </a:bodyPr>
+          <a:lstStyle/>
+          <a:p>
+            <a:r>
+              <a:rPr lang="en-US" sz="1200" i="1" dirty="0" smtClean="0">
+                <a:latin typeface="Times New Roman" panose="02020603050405020304" pitchFamily="18" charset="0"/>
+                <a:cs typeface="Times New Roman" panose="02020603050405020304" pitchFamily="18" charset="0"/>
+              </a:rPr>
+              <a:t>E</a:t>
+            </a:r>
+            <a:r>
+              <a:rPr lang="en-US" sz="1200" dirty="0" smtClean="0">
+                <a:latin typeface="Times New Roman" panose="02020603050405020304" pitchFamily="18" charset="0"/>
+                <a:cs typeface="Times New Roman" panose="02020603050405020304" pitchFamily="18" charset="0"/>
+              </a:rPr>
+              <a:t>=0.95177</a:t>
+            </a:r>
+            <a:endParaRPr lang="en-US" sz="1200" dirty="0">
+              <a:latin typeface="Times New Roman" panose="02020603050405020304" pitchFamily="18" charset="0"/>
+              <a:cs typeface="Times New Roman" panose="02020603050405020304" pitchFamily="18" charset="0"/>
+            </a:endParaRPr>
+          </a:p>
+        </p:txBody>
+      </p:sp>
+      <p:sp>
+        <p:nvSpPr>
+          <p:cNvPr id="26" name="TextBox 25"/>
+          <p:cNvSpPr txBox="1"/>
+          <p:nvPr/>
+        </p:nvSpPr>
+        <p:spPr>
+          <a:xfrm>
+            <a:off x="7939788" y="970002"/>
+            <a:ext cx="788999" cy="276999"/>
+          </a:xfrm>
+          <a:prstGeom prst="rect">
+            <a:avLst/>
+          </a:prstGeom>
+          <a:noFill/>
+        </p:spPr>
+        <p:txBody>
+          <a:bodyPr wrap="none" rtlCol="0">
+            <a:spAutoFit/>
+          </a:bodyPr>
+          <a:lstStyle/>
+          <a:p>
+            <a:r>
+              <a:rPr lang="en-US" sz="1200" i="1" dirty="0" smtClean="0">
+                <a:latin typeface="Times New Roman" panose="02020603050405020304" pitchFamily="18" charset="0"/>
+                <a:cs typeface="Times New Roman" panose="02020603050405020304" pitchFamily="18" charset="0"/>
+              </a:rPr>
+              <a:t>E</a:t>
+            </a:r>
+            <a:r>
+              <a:rPr lang="en-US" sz="1200" dirty="0" smtClean="0">
+                <a:latin typeface="Times New Roman" panose="02020603050405020304" pitchFamily="18" charset="0"/>
+                <a:cs typeface="Times New Roman" panose="02020603050405020304" pitchFamily="18" charset="0"/>
+              </a:rPr>
+              <a:t>=0.3620</a:t>
+            </a:r>
+            <a:endParaRPr lang="en-US" sz="1200" dirty="0">
+              <a:latin typeface="Times New Roman" panose="02020603050405020304" pitchFamily="18" charset="0"/>
+              <a:cs typeface="Times New Roman" panose="02020603050405020304" pitchFamily="18" charset="0"/>
+            </a:endParaRPr>
+          </a:p>
+        </p:txBody>
+      </p:sp>
+      <p:sp>
+        <p:nvSpPr>
+          <p:cNvPr id="30" name="Oval 29"/>
+          <p:cNvSpPr/>
+          <p:nvPr/>
+        </p:nvSpPr>
+        <p:spPr>
+          <a:xfrm>
+            <a:off x="6233412" y="4499580"/>
+            <a:ext cx="1143000" cy="342900"/>
+          </a:xfrm>
+          <a:prstGeom prst="ellipse">
+            <a:avLst/>
+          </a:prstGeom>
+          <a:noFill/>
+          <a:ln w="9525">
+            <a:solidFill>
+              <a:schemeClr val="tx1"/>
+            </a:solidFill>
+          </a:ln>
+        </p:spPr>
+        <p:style>
+          <a:lnRef idx="2">
+            <a:schemeClr val="accent1">
+              <a:shade val="50000"/>
+            </a:schemeClr>
+          </a:lnRef>
+          <a:fillRef idx="1">
+            <a:schemeClr val="accent1"/>
+          </a:fillRef>
+          <a:effectRef idx="0">
+            <a:schemeClr val="accent1"/>
+          </a:effectRef>
+          <a:fontRef idx="minor">
+            <a:schemeClr val="lt1"/>
+          </a:fontRef>
+        </p:style>
+        <p:txBody>
+          <a:bodyPr lIns="0" rIns="0" rtlCol="0" anchor="ctr"/>
+          <a:lstStyle/>
+          <a:p>
+            <a:pPr algn="ctr"/>
+            <a:r>
+              <a:rPr lang="en-US" sz="1200" dirty="0" err="1" smtClean="0">
+                <a:solidFill>
+                  <a:schemeClr val="tx1"/>
+                </a:solidFill>
+              </a:rPr>
+              <a:t>Attr</a:t>
+            </a:r>
+            <a:r>
+              <a:rPr lang="en-US" sz="1200" dirty="0" smtClean="0">
+                <a:solidFill>
+                  <a:schemeClr val="tx1"/>
+                </a:solidFill>
+              </a:rPr>
+              <a:t>: 9</a:t>
+            </a:r>
+          </a:p>
+        </p:txBody>
+      </p:sp>
+      <p:sp>
+        <p:nvSpPr>
+          <p:cNvPr id="31" name="Oval 30"/>
+          <p:cNvSpPr/>
+          <p:nvPr/>
+        </p:nvSpPr>
+        <p:spPr>
+          <a:xfrm>
+            <a:off x="4861812" y="5071080"/>
+            <a:ext cx="1143000" cy="342900"/>
+          </a:xfrm>
+          <a:prstGeom prst="ellipse">
+            <a:avLst/>
+          </a:prstGeom>
+          <a:noFill/>
+          <a:ln w="9525">
+            <a:solidFill>
+              <a:schemeClr val="tx1"/>
+            </a:solidFill>
+          </a:ln>
+        </p:spPr>
+        <p:style>
+          <a:lnRef idx="2">
+            <a:schemeClr val="accent1">
+              <a:shade val="50000"/>
+            </a:schemeClr>
+          </a:lnRef>
+          <a:fillRef idx="1">
+            <a:schemeClr val="accent1"/>
+          </a:fillRef>
+          <a:effectRef idx="0">
+            <a:schemeClr val="accent1"/>
+          </a:effectRef>
+          <a:fontRef idx="minor">
+            <a:schemeClr val="lt1"/>
+          </a:fontRef>
+        </p:style>
+        <p:txBody>
+          <a:bodyPr rtlCol="0" anchor="ctr"/>
+          <a:lstStyle/>
+          <a:p>
+            <a:pPr algn="ctr"/>
+            <a:r>
+              <a:rPr lang="en-US" sz="1200" dirty="0" err="1" smtClean="0">
+                <a:solidFill>
+                  <a:schemeClr val="tx1"/>
+                </a:solidFill>
+              </a:rPr>
+              <a:t>Attr</a:t>
+            </a:r>
+            <a:r>
+              <a:rPr lang="en-US" sz="1200" dirty="0" smtClean="0">
+                <a:solidFill>
+                  <a:schemeClr val="tx1"/>
+                </a:solidFill>
+              </a:rPr>
+              <a:t>: 6</a:t>
+            </a:r>
+            <a:endParaRPr lang="en-US" sz="1200" dirty="0">
+              <a:solidFill>
+                <a:schemeClr val="tx1"/>
+              </a:solidFill>
+            </a:endParaRPr>
+          </a:p>
+        </p:txBody>
+      </p:sp>
+      <p:sp>
+        <p:nvSpPr>
+          <p:cNvPr id="32" name="Oval 31"/>
+          <p:cNvSpPr/>
+          <p:nvPr/>
+        </p:nvSpPr>
+        <p:spPr>
+          <a:xfrm>
+            <a:off x="7605012" y="5071080"/>
+            <a:ext cx="1143000" cy="342900"/>
+          </a:xfrm>
+          <a:prstGeom prst="ellipse">
+            <a:avLst/>
+          </a:prstGeom>
+          <a:noFill/>
+          <a:ln w="9525">
+            <a:solidFill>
+              <a:schemeClr val="tx1"/>
+            </a:solidFill>
+          </a:ln>
+        </p:spPr>
+        <p:style>
+          <a:lnRef idx="2">
+            <a:schemeClr val="accent1">
+              <a:shade val="50000"/>
+            </a:schemeClr>
+          </a:lnRef>
+          <a:fillRef idx="1">
+            <a:schemeClr val="accent1"/>
+          </a:fillRef>
+          <a:effectRef idx="0">
+            <a:schemeClr val="accent1"/>
+          </a:effectRef>
+          <a:fontRef idx="minor">
+            <a:schemeClr val="lt1"/>
+          </a:fontRef>
+        </p:style>
+        <p:txBody>
+          <a:bodyPr rtlCol="0" anchor="ctr"/>
+          <a:lstStyle/>
+          <a:p>
+            <a:pPr algn="ctr"/>
+            <a:r>
+              <a:rPr lang="en-US" sz="1200" dirty="0" err="1" smtClean="0">
+                <a:solidFill>
+                  <a:schemeClr val="tx1"/>
+                </a:solidFill>
+              </a:rPr>
+              <a:t>Attr</a:t>
+            </a:r>
+            <a:r>
+              <a:rPr lang="en-US" sz="1200" dirty="0" smtClean="0">
+                <a:solidFill>
+                  <a:schemeClr val="tx1"/>
+                </a:solidFill>
+              </a:rPr>
+              <a:t>: 6</a:t>
+            </a:r>
+            <a:endParaRPr lang="en-US" sz="1200" dirty="0">
+              <a:solidFill>
+                <a:schemeClr val="tx1"/>
+              </a:solidFill>
+            </a:endParaRPr>
+          </a:p>
+        </p:txBody>
+      </p:sp>
+      <p:cxnSp>
+        <p:nvCxnSpPr>
+          <p:cNvPr id="35" name="Straight Connector 34"/>
+          <p:cNvCxnSpPr>
+            <a:stCxn id="31" idx="7"/>
+            <a:endCxn id="30" idx="3"/>
+          </p:cNvCxnSpPr>
+          <p:nvPr/>
+        </p:nvCxnSpPr>
+        <p:spPr>
+          <a:xfrm flipV="1">
+            <a:off x="5837424" y="4792263"/>
+            <a:ext cx="563376" cy="329034"/>
+          </a:xfrm>
+          <a:prstGeom prst="line">
+            <a:avLst/>
+          </a:prstGeom>
+          <a:ln>
+            <a:solidFill>
+              <a:schemeClr val="tx1"/>
+            </a:solidFill>
+          </a:ln>
+        </p:spPr>
+        <p:style>
+          <a:lnRef idx="1">
+            <a:schemeClr val="accent1"/>
+          </a:lnRef>
+          <a:fillRef idx="0">
+            <a:schemeClr val="accent1"/>
+          </a:fillRef>
+          <a:effectRef idx="0">
+            <a:schemeClr val="accent1"/>
+          </a:effectRef>
+          <a:fontRef idx="minor">
+            <a:schemeClr val="tx1"/>
+          </a:fontRef>
+        </p:style>
+      </p:cxnSp>
+      <p:cxnSp>
+        <p:nvCxnSpPr>
+          <p:cNvPr id="36" name="Straight Connector 35"/>
+          <p:cNvCxnSpPr>
+            <a:stCxn id="32" idx="1"/>
+            <a:endCxn id="30" idx="5"/>
+          </p:cNvCxnSpPr>
+          <p:nvPr/>
+        </p:nvCxnSpPr>
+        <p:spPr>
+          <a:xfrm flipH="1" flipV="1">
+            <a:off x="7209024" y="4792263"/>
+            <a:ext cx="563376" cy="329034"/>
+          </a:xfrm>
+          <a:prstGeom prst="line">
+            <a:avLst/>
+          </a:prstGeom>
+          <a:ln>
+            <a:solidFill>
+              <a:schemeClr val="tx1"/>
+            </a:solidFill>
+          </a:ln>
+        </p:spPr>
+        <p:style>
+          <a:lnRef idx="1">
+            <a:schemeClr val="accent1"/>
+          </a:lnRef>
+          <a:fillRef idx="0">
+            <a:schemeClr val="accent1"/>
+          </a:fillRef>
+          <a:effectRef idx="0">
+            <a:schemeClr val="accent1"/>
+          </a:effectRef>
+          <a:fontRef idx="minor">
+            <a:schemeClr val="tx1"/>
+          </a:fontRef>
+        </p:style>
+      </p:cxnSp>
+      <p:sp>
+        <p:nvSpPr>
+          <p:cNvPr id="38" name="TextBox 37"/>
+          <p:cNvSpPr txBox="1"/>
+          <p:nvPr/>
+        </p:nvSpPr>
+        <p:spPr>
+          <a:xfrm>
+            <a:off x="6371940" y="4205079"/>
+            <a:ext cx="865943" cy="276999"/>
+          </a:xfrm>
+          <a:prstGeom prst="rect">
+            <a:avLst/>
+          </a:prstGeom>
+          <a:noFill/>
+        </p:spPr>
+        <p:txBody>
+          <a:bodyPr wrap="none" rtlCol="0">
+            <a:spAutoFit/>
+          </a:bodyPr>
+          <a:lstStyle/>
+          <a:p>
+            <a:r>
+              <a:rPr lang="en-US" sz="1200" i="1" dirty="0" smtClean="0">
+                <a:latin typeface="Times New Roman" panose="02020603050405020304" pitchFamily="18" charset="0"/>
+                <a:cs typeface="Times New Roman" panose="02020603050405020304" pitchFamily="18" charset="0"/>
+              </a:rPr>
+              <a:t>E</a:t>
+            </a:r>
+            <a:r>
+              <a:rPr lang="en-US" sz="1200" dirty="0" smtClean="0">
+                <a:latin typeface="Times New Roman" panose="02020603050405020304" pitchFamily="18" charset="0"/>
+                <a:cs typeface="Times New Roman" panose="02020603050405020304" pitchFamily="18" charset="0"/>
+              </a:rPr>
+              <a:t>=0.99983</a:t>
+            </a:r>
+            <a:endParaRPr lang="en-US" sz="1200" dirty="0">
+              <a:latin typeface="Times New Roman" panose="02020603050405020304" pitchFamily="18" charset="0"/>
+              <a:cs typeface="Times New Roman" panose="02020603050405020304" pitchFamily="18" charset="0"/>
+            </a:endParaRPr>
+          </a:p>
+        </p:txBody>
+      </p:sp>
+      <p:sp>
+        <p:nvSpPr>
+          <p:cNvPr id="41" name="TextBox 40"/>
+          <p:cNvSpPr txBox="1"/>
+          <p:nvPr/>
+        </p:nvSpPr>
+        <p:spPr>
+          <a:xfrm>
+            <a:off x="5000340" y="4847540"/>
+            <a:ext cx="865943" cy="276999"/>
+          </a:xfrm>
+          <a:prstGeom prst="rect">
+            <a:avLst/>
+          </a:prstGeom>
+          <a:noFill/>
+        </p:spPr>
+        <p:txBody>
+          <a:bodyPr wrap="none" rtlCol="0">
+            <a:spAutoFit/>
+          </a:bodyPr>
+          <a:lstStyle/>
+          <a:p>
+            <a:r>
+              <a:rPr lang="en-US" sz="1200" i="1" dirty="0" smtClean="0">
+                <a:latin typeface="Times New Roman" panose="02020603050405020304" pitchFamily="18" charset="0"/>
+                <a:cs typeface="Times New Roman" panose="02020603050405020304" pitchFamily="18" charset="0"/>
+              </a:rPr>
+              <a:t>E</a:t>
+            </a:r>
+            <a:r>
+              <a:rPr lang="en-US" sz="1200" dirty="0" smtClean="0">
+                <a:latin typeface="Times New Roman" panose="02020603050405020304" pitchFamily="18" charset="0"/>
+                <a:cs typeface="Times New Roman" panose="02020603050405020304" pitchFamily="18" charset="0"/>
+              </a:rPr>
+              <a:t>=0.99974</a:t>
+            </a:r>
+            <a:endParaRPr lang="en-US" sz="1200" dirty="0">
+              <a:latin typeface="Times New Roman" panose="02020603050405020304" pitchFamily="18" charset="0"/>
+              <a:cs typeface="Times New Roman" panose="02020603050405020304" pitchFamily="18" charset="0"/>
+            </a:endParaRPr>
+          </a:p>
+        </p:txBody>
+      </p:sp>
+      <p:sp>
+        <p:nvSpPr>
+          <p:cNvPr id="42" name="TextBox 41"/>
+          <p:cNvSpPr txBox="1"/>
+          <p:nvPr/>
+        </p:nvSpPr>
+        <p:spPr>
+          <a:xfrm>
+            <a:off x="7772400" y="4821882"/>
+            <a:ext cx="865943" cy="276999"/>
+          </a:xfrm>
+          <a:prstGeom prst="rect">
+            <a:avLst/>
+          </a:prstGeom>
+          <a:noFill/>
+        </p:spPr>
+        <p:txBody>
+          <a:bodyPr wrap="none" rtlCol="0">
+            <a:spAutoFit/>
+          </a:bodyPr>
+          <a:lstStyle/>
+          <a:p>
+            <a:r>
+              <a:rPr lang="en-US" sz="1200" i="1" dirty="0" smtClean="0">
+                <a:latin typeface="Times New Roman" panose="02020603050405020304" pitchFamily="18" charset="0"/>
+                <a:cs typeface="Times New Roman" panose="02020603050405020304" pitchFamily="18" charset="0"/>
+              </a:rPr>
+              <a:t>E</a:t>
+            </a:r>
+            <a:r>
+              <a:rPr lang="en-US" sz="1200" dirty="0" smtClean="0">
+                <a:latin typeface="Times New Roman" panose="02020603050405020304" pitchFamily="18" charset="0"/>
+                <a:cs typeface="Times New Roman" panose="02020603050405020304" pitchFamily="18" charset="0"/>
+              </a:rPr>
+              <a:t>=0.98522</a:t>
+            </a:r>
+            <a:endParaRPr lang="en-US" sz="1200" dirty="0">
+              <a:latin typeface="Times New Roman" panose="02020603050405020304" pitchFamily="18" charset="0"/>
+              <a:cs typeface="Times New Roman" panose="02020603050405020304" pitchFamily="18" charset="0"/>
+            </a:endParaRPr>
+          </a:p>
+        </p:txBody>
+      </p:sp>
+      <p:sp>
+        <p:nvSpPr>
+          <p:cNvPr id="43" name="TextBox 42"/>
+          <p:cNvSpPr txBox="1"/>
+          <p:nvPr/>
+        </p:nvSpPr>
+        <p:spPr>
+          <a:xfrm>
+            <a:off x="914491" y="1662499"/>
+            <a:ext cx="2885983" cy="276999"/>
+          </a:xfrm>
+          <a:prstGeom prst="rect">
+            <a:avLst/>
+          </a:prstGeom>
+          <a:noFill/>
+        </p:spPr>
+        <p:txBody>
+          <a:bodyPr wrap="none" rtlCol="0">
+            <a:spAutoFit/>
+          </a:bodyPr>
+          <a:lstStyle/>
+          <a:p>
+            <a:r>
+              <a:rPr lang="en-US" sz="1200" dirty="0" smtClean="0">
+                <a:latin typeface="Times New Roman" panose="02020603050405020304" pitchFamily="18" charset="0"/>
+                <a:cs typeface="Times New Roman" panose="02020603050405020304" pitchFamily="18" charset="0"/>
+              </a:rPr>
+              <a:t>(1) Decision tree learned from training data</a:t>
+            </a:r>
+            <a:endParaRPr lang="en-US" sz="1200" dirty="0">
+              <a:latin typeface="Times New Roman" panose="02020603050405020304" pitchFamily="18" charset="0"/>
+              <a:cs typeface="Times New Roman" panose="02020603050405020304" pitchFamily="18" charset="0"/>
+            </a:endParaRPr>
+          </a:p>
+        </p:txBody>
+      </p:sp>
+      <p:sp>
+        <p:nvSpPr>
+          <p:cNvPr id="44" name="TextBox 43"/>
+          <p:cNvSpPr txBox="1"/>
+          <p:nvPr/>
+        </p:nvSpPr>
+        <p:spPr>
+          <a:xfrm>
+            <a:off x="5715000" y="1682322"/>
+            <a:ext cx="2603598" cy="276999"/>
+          </a:xfrm>
+          <a:prstGeom prst="rect">
+            <a:avLst/>
+          </a:prstGeom>
+          <a:noFill/>
+        </p:spPr>
+        <p:txBody>
+          <a:bodyPr wrap="none" rtlCol="0">
+            <a:spAutoFit/>
+          </a:bodyPr>
+          <a:lstStyle/>
+          <a:p>
+            <a:r>
+              <a:rPr lang="en-US" sz="1200" dirty="0" smtClean="0">
+                <a:latin typeface="Times New Roman" panose="02020603050405020304" pitchFamily="18" charset="0"/>
+                <a:cs typeface="Times New Roman" panose="02020603050405020304" pitchFamily="18" charset="0"/>
+              </a:rPr>
+              <a:t>(2) Decision tree learned from test data</a:t>
+            </a:r>
+            <a:endParaRPr lang="en-US" sz="1200" dirty="0">
+              <a:latin typeface="Times New Roman" panose="02020603050405020304" pitchFamily="18" charset="0"/>
+              <a:cs typeface="Times New Roman" panose="02020603050405020304" pitchFamily="18" charset="0"/>
+            </a:endParaRPr>
+          </a:p>
+        </p:txBody>
+      </p:sp>
+      <p:sp>
+        <p:nvSpPr>
+          <p:cNvPr id="45" name="TextBox 44"/>
+          <p:cNvSpPr txBox="1"/>
+          <p:nvPr/>
+        </p:nvSpPr>
+        <p:spPr>
+          <a:xfrm>
+            <a:off x="1590675" y="838200"/>
+            <a:ext cx="235962" cy="276999"/>
+          </a:xfrm>
+          <a:prstGeom prst="rect">
+            <a:avLst/>
+          </a:prstGeom>
+          <a:noFill/>
+        </p:spPr>
+        <p:txBody>
+          <a:bodyPr wrap="none" rtlCol="0">
+            <a:spAutoFit/>
+          </a:bodyPr>
+          <a:lstStyle/>
+          <a:p>
+            <a:r>
+              <a:rPr lang="en-US" sz="1200" dirty="0" smtClean="0"/>
+              <a:t>t</a:t>
+            </a:r>
+            <a:endParaRPr lang="en-US" sz="1200" dirty="0"/>
+          </a:p>
+        </p:txBody>
+      </p:sp>
+      <p:sp>
+        <p:nvSpPr>
+          <p:cNvPr id="46" name="TextBox 45"/>
+          <p:cNvSpPr txBox="1"/>
+          <p:nvPr/>
+        </p:nvSpPr>
+        <p:spPr>
+          <a:xfrm>
+            <a:off x="2964438" y="838200"/>
+            <a:ext cx="235962" cy="276999"/>
+          </a:xfrm>
+          <a:prstGeom prst="rect">
+            <a:avLst/>
+          </a:prstGeom>
+          <a:noFill/>
+        </p:spPr>
+        <p:txBody>
+          <a:bodyPr wrap="none" rtlCol="0">
+            <a:spAutoFit/>
+          </a:bodyPr>
+          <a:lstStyle/>
+          <a:p>
+            <a:r>
+              <a:rPr lang="en-US" sz="1200" dirty="0" smtClean="0"/>
+              <a:t>f</a:t>
+            </a:r>
+            <a:endParaRPr lang="en-US" sz="1200" dirty="0"/>
+          </a:p>
+        </p:txBody>
+      </p:sp>
+      <p:sp>
+        <p:nvSpPr>
+          <p:cNvPr id="47" name="TextBox 46"/>
+          <p:cNvSpPr txBox="1"/>
+          <p:nvPr/>
+        </p:nvSpPr>
+        <p:spPr>
+          <a:xfrm>
+            <a:off x="6096000" y="838200"/>
+            <a:ext cx="261610" cy="276999"/>
+          </a:xfrm>
+          <a:prstGeom prst="rect">
+            <a:avLst/>
+          </a:prstGeom>
+          <a:noFill/>
+        </p:spPr>
+        <p:txBody>
+          <a:bodyPr wrap="none" rtlCol="0">
+            <a:spAutoFit/>
+          </a:bodyPr>
+          <a:lstStyle/>
+          <a:p>
+            <a:r>
+              <a:rPr lang="en-US" sz="1200" dirty="0" smtClean="0"/>
+              <a:t>&lt;</a:t>
+            </a:r>
+            <a:endParaRPr lang="en-US" sz="1200" dirty="0"/>
+          </a:p>
+        </p:txBody>
+      </p:sp>
+      <p:sp>
+        <p:nvSpPr>
+          <p:cNvPr id="48" name="TextBox 47"/>
+          <p:cNvSpPr txBox="1"/>
+          <p:nvPr/>
+        </p:nvSpPr>
+        <p:spPr>
+          <a:xfrm>
+            <a:off x="7576437" y="857160"/>
+            <a:ext cx="261610" cy="276999"/>
+          </a:xfrm>
+          <a:prstGeom prst="rect">
+            <a:avLst/>
+          </a:prstGeom>
+          <a:noFill/>
+        </p:spPr>
+        <p:txBody>
+          <a:bodyPr wrap="none" rtlCol="0">
+            <a:spAutoFit/>
+          </a:bodyPr>
+          <a:lstStyle/>
+          <a:p>
+            <a:r>
+              <a:rPr lang="en-US" sz="1200" dirty="0"/>
+              <a:t>&gt;</a:t>
+            </a:r>
+            <a:endParaRPr lang="en-US" sz="1200" dirty="0"/>
+          </a:p>
+        </p:txBody>
+      </p:sp>
+      <p:sp>
+        <p:nvSpPr>
+          <p:cNvPr id="49" name="TextBox 48"/>
+          <p:cNvSpPr txBox="1"/>
+          <p:nvPr/>
+        </p:nvSpPr>
+        <p:spPr>
+          <a:xfrm>
+            <a:off x="6002933" y="4711957"/>
+            <a:ext cx="235962" cy="276999"/>
+          </a:xfrm>
+          <a:prstGeom prst="rect">
+            <a:avLst/>
+          </a:prstGeom>
+          <a:noFill/>
+        </p:spPr>
+        <p:txBody>
+          <a:bodyPr wrap="none" rtlCol="0">
+            <a:spAutoFit/>
+          </a:bodyPr>
+          <a:lstStyle/>
+          <a:p>
+            <a:r>
+              <a:rPr lang="en-US" sz="1200" dirty="0" smtClean="0"/>
+              <a:t>t</a:t>
+            </a:r>
+            <a:endParaRPr lang="en-US" sz="1200" dirty="0"/>
+          </a:p>
+        </p:txBody>
+      </p:sp>
+      <p:sp>
+        <p:nvSpPr>
+          <p:cNvPr id="50" name="TextBox 49"/>
+          <p:cNvSpPr txBox="1"/>
+          <p:nvPr/>
+        </p:nvSpPr>
+        <p:spPr>
+          <a:xfrm>
+            <a:off x="7376696" y="4711957"/>
+            <a:ext cx="235962" cy="276999"/>
+          </a:xfrm>
+          <a:prstGeom prst="rect">
+            <a:avLst/>
+          </a:prstGeom>
+          <a:noFill/>
+        </p:spPr>
+        <p:txBody>
+          <a:bodyPr wrap="none" rtlCol="0">
+            <a:spAutoFit/>
+          </a:bodyPr>
+          <a:lstStyle/>
+          <a:p>
+            <a:r>
+              <a:rPr lang="en-US" sz="1200" dirty="0" smtClean="0"/>
+              <a:t>f</a:t>
+            </a:r>
+            <a:endParaRPr lang="en-US" sz="1200" dirty="0"/>
+          </a:p>
+        </p:txBody>
+      </p:sp>
+    </p:spTree>
+    <p:extLst>
+      <p:ext uri="{BB962C8B-B14F-4D97-AF65-F5344CB8AC3E}">
+        <p14:creationId xmlns:p14="http://schemas.microsoft.com/office/powerpoint/2010/main" val="3629145173"/>
       </p:ext>
     </p:extLst>
   </p:cSld>

--- a/tex/Presentation1.pptx
+++ b/tex/Presentation1.pptx
@@ -289,7 +289,7 @@
           <a:p>
             <a:fld id="{C4EBD2D4-4D68-4C1B-8DA7-9E79A3A8BEE9}" type="datetimeFigureOut">
               <a:rPr lang="en-US" smtClean="0"/>
-              <a:t>9/7/2014</a:t>
+              <a:t>9/10/2014</a:t>
             </a:fld>
             <a:endParaRPr lang="en-US"/>
           </a:p>
@@ -459,7 +459,7 @@
           <a:p>
             <a:fld id="{C4EBD2D4-4D68-4C1B-8DA7-9E79A3A8BEE9}" type="datetimeFigureOut">
               <a:rPr lang="en-US" smtClean="0"/>
-              <a:t>9/7/2014</a:t>
+              <a:t>9/10/2014</a:t>
             </a:fld>
             <a:endParaRPr lang="en-US"/>
           </a:p>
@@ -639,7 +639,7 @@
           <a:p>
             <a:fld id="{C4EBD2D4-4D68-4C1B-8DA7-9E79A3A8BEE9}" type="datetimeFigureOut">
               <a:rPr lang="en-US" smtClean="0"/>
-              <a:t>9/7/2014</a:t>
+              <a:t>9/10/2014</a:t>
             </a:fld>
             <a:endParaRPr lang="en-US"/>
           </a:p>
@@ -809,7 +809,7 @@
           <a:p>
             <a:fld id="{C4EBD2D4-4D68-4C1B-8DA7-9E79A3A8BEE9}" type="datetimeFigureOut">
               <a:rPr lang="en-US" smtClean="0"/>
-              <a:t>9/7/2014</a:t>
+              <a:t>9/10/2014</a:t>
             </a:fld>
             <a:endParaRPr lang="en-US"/>
           </a:p>
@@ -1055,7 +1055,7 @@
           <a:p>
             <a:fld id="{C4EBD2D4-4D68-4C1B-8DA7-9E79A3A8BEE9}" type="datetimeFigureOut">
               <a:rPr lang="en-US" smtClean="0"/>
-              <a:t>9/7/2014</a:t>
+              <a:t>9/10/2014</a:t>
             </a:fld>
             <a:endParaRPr lang="en-US"/>
           </a:p>
@@ -1343,7 +1343,7 @@
           <a:p>
             <a:fld id="{C4EBD2D4-4D68-4C1B-8DA7-9E79A3A8BEE9}" type="datetimeFigureOut">
               <a:rPr lang="en-US" smtClean="0"/>
-              <a:t>9/7/2014</a:t>
+              <a:t>9/10/2014</a:t>
             </a:fld>
             <a:endParaRPr lang="en-US"/>
           </a:p>
@@ -1765,7 +1765,7 @@
           <a:p>
             <a:fld id="{C4EBD2D4-4D68-4C1B-8DA7-9E79A3A8BEE9}" type="datetimeFigureOut">
               <a:rPr lang="en-US" smtClean="0"/>
-              <a:t>9/7/2014</a:t>
+              <a:t>9/10/2014</a:t>
             </a:fld>
             <a:endParaRPr lang="en-US"/>
           </a:p>
@@ -1883,7 +1883,7 @@
           <a:p>
             <a:fld id="{C4EBD2D4-4D68-4C1B-8DA7-9E79A3A8BEE9}" type="datetimeFigureOut">
               <a:rPr lang="en-US" smtClean="0"/>
-              <a:t>9/7/2014</a:t>
+              <a:t>9/10/2014</a:t>
             </a:fld>
             <a:endParaRPr lang="en-US"/>
           </a:p>
@@ -1978,7 +1978,7 @@
           <a:p>
             <a:fld id="{C4EBD2D4-4D68-4C1B-8DA7-9E79A3A8BEE9}" type="datetimeFigureOut">
               <a:rPr lang="en-US" smtClean="0"/>
-              <a:t>9/7/2014</a:t>
+              <a:t>9/10/2014</a:t>
             </a:fld>
             <a:endParaRPr lang="en-US"/>
           </a:p>
@@ -2255,7 +2255,7 @@
           <a:p>
             <a:fld id="{C4EBD2D4-4D68-4C1B-8DA7-9E79A3A8BEE9}" type="datetimeFigureOut">
               <a:rPr lang="en-US" smtClean="0"/>
-              <a:t>9/7/2014</a:t>
+              <a:t>9/10/2014</a:t>
             </a:fld>
             <a:endParaRPr lang="en-US"/>
           </a:p>
@@ -2508,7 +2508,7 @@
           <a:p>
             <a:fld id="{C4EBD2D4-4D68-4C1B-8DA7-9E79A3A8BEE9}" type="datetimeFigureOut">
               <a:rPr lang="en-US" smtClean="0"/>
-              <a:t>9/7/2014</a:t>
+              <a:t>9/10/2014</a:t>
             </a:fld>
             <a:endParaRPr lang="en-US"/>
           </a:p>
@@ -2721,7 +2721,7 @@
           <a:p>
             <a:fld id="{C4EBD2D4-4D68-4C1B-8DA7-9E79A3A8BEE9}" type="datetimeFigureOut">
               <a:rPr lang="en-US" smtClean="0"/>
-              <a:t>9/7/2014</a:t>
+              <a:t>9/10/2014</a:t>
             </a:fld>
             <a:endParaRPr lang="en-US"/>
           </a:p>
@@ -6862,20 +6862,20 @@
           <a:p>
             <a:pPr algn="ctr"/>
             <a:r>
-              <a:rPr lang="en-US" sz="1200" dirty="0" err="1" smtClean="0">
-                <a:solidFill>
-                  <a:schemeClr val="tx1"/>
-                </a:solidFill>
-              </a:rPr>
-              <a:t>Attr</a:t>
-            </a:r>
-            <a:r>
               <a:rPr lang="en-US" sz="1200" dirty="0" smtClean="0">
                 <a:solidFill>
                   <a:schemeClr val="tx1"/>
                 </a:solidFill>
               </a:rPr>
-              <a:t>: 9</a:t>
+              <a:t>Attribute: </a:t>
+            </a:r>
+            <a:r>
+              <a:rPr lang="en-US" sz="1200" dirty="0" smtClean="0">
+                <a:solidFill>
+                  <a:schemeClr val="tx1"/>
+                </a:solidFill>
+              </a:rPr>
+              <a:t>9</a:t>
             </a:r>
           </a:p>
         </p:txBody>
@@ -6889,7 +6889,7 @@
         <p:spPr>
           <a:xfrm>
             <a:off x="4861812" y="5071080"/>
-            <a:ext cx="1143000" cy="342900"/>
+            <a:ext cx="1143000" cy="488094"/>
           </a:xfrm>
           <a:prstGeom prst="ellipse">
             <a:avLst/>
@@ -6923,20 +6923,23 @@
           <a:p>
             <a:pPr algn="ctr"/>
             <a:r>
-              <a:rPr lang="en-US" sz="1200" dirty="0" err="1" smtClean="0">
-                <a:solidFill>
-                  <a:schemeClr val="tx1"/>
-                </a:solidFill>
-              </a:rPr>
-              <a:t>Attr</a:t>
-            </a:r>
-            <a:r>
               <a:rPr lang="en-US" sz="1200" dirty="0" smtClean="0">
                 <a:solidFill>
                   <a:schemeClr val="tx1"/>
                 </a:solidFill>
               </a:rPr>
-              <a:t>: 6</a:t>
+              <a:t>+54</a:t>
+            </a:r>
+          </a:p>
+          <a:p>
+            <a:pPr algn="ctr"/>
+            <a:r>
+              <a:rPr lang="en-US" sz="1200" dirty="0" smtClean="0">
+                <a:solidFill>
+                  <a:schemeClr val="tx1"/>
+                </a:solidFill>
+              </a:rPr>
+              <a:t>-52</a:t>
             </a:r>
             <a:endParaRPr lang="en-US" sz="1200" dirty="0">
               <a:solidFill>
@@ -6955,7 +6958,7 @@
         <p:spPr>
           <a:xfrm>
             <a:off x="7605012" y="5071080"/>
-            <a:ext cx="1143000" cy="342900"/>
+            <a:ext cx="1143000" cy="488094"/>
           </a:xfrm>
           <a:prstGeom prst="ellipse">
             <a:avLst/>
@@ -6989,20 +6992,23 @@
           <a:p>
             <a:pPr algn="ctr"/>
             <a:r>
-              <a:rPr lang="en-US" sz="1200" dirty="0" err="1" smtClean="0">
-                <a:solidFill>
-                  <a:schemeClr val="tx1"/>
-                </a:solidFill>
-              </a:rPr>
-              <a:t>Attr</a:t>
-            </a:r>
-            <a:r>
               <a:rPr lang="en-US" sz="1200" dirty="0" smtClean="0">
                 <a:solidFill>
                   <a:schemeClr val="tx1"/>
                 </a:solidFill>
               </a:rPr>
-              <a:t>: 6</a:t>
+              <a:t>+12</a:t>
+            </a:r>
+          </a:p>
+          <a:p>
+            <a:pPr algn="ctr"/>
+            <a:r>
+              <a:rPr lang="en-US" sz="1200" dirty="0" smtClean="0">
+                <a:solidFill>
+                  <a:schemeClr val="tx1"/>
+                </a:solidFill>
+              </a:rPr>
+              <a:t>-16</a:t>
             </a:r>
             <a:endParaRPr lang="en-US" sz="1200" dirty="0">
               <a:solidFill>
@@ -7024,7 +7030,7 @@
         <p:spPr>
           <a:xfrm flipV="1">
             <a:off x="5837424" y="4792263"/>
-            <a:ext cx="563376" cy="329034"/>
+            <a:ext cx="563376" cy="350297"/>
           </a:xfrm>
           <a:prstGeom prst="line">
             <a:avLst/>
@@ -7062,7 +7068,7 @@
         <p:spPr>
           <a:xfrm flipH="1" flipV="1">
             <a:off x="7209024" y="4792263"/>
-            <a:ext cx="563376" cy="329034"/>
+            <a:ext cx="563376" cy="350297"/>
           </a:xfrm>
           <a:prstGeom prst="line">
             <a:avLst/>
@@ -7088,15 +7094,1174 @@
           </a:fontRef>
         </p:style>
       </p:cxnSp>
-      <p:sp>
-        <p:nvSpPr>
-          <p:cNvPr id="38" name="TextBox 37"/>
+      <mc:AlternateContent xmlns:mc="http://schemas.openxmlformats.org/markup-compatibility/2006">
+        <mc:Choice xmlns:a14="http://schemas.microsoft.com/office/drawing/2010/main" Requires="a14">
+          <p:sp>
+            <p:nvSpPr>
+              <p:cNvPr id="41" name="TextBox 40"/>
+              <p:cNvSpPr txBox="1"/>
+              <p:nvPr/>
+            </p:nvSpPr>
+            <p:spPr>
+              <a:xfrm>
+                <a:off x="4990815" y="4799915"/>
+                <a:ext cx="927818" cy="276999"/>
+              </a:xfrm>
+              <a:prstGeom prst="rect">
+                <a:avLst/>
+              </a:prstGeom>
+              <a:noFill/>
+            </p:spPr>
+            <p:txBody>
+              <a:bodyPr wrap="none" rtlCol="0">
+                <a:spAutoFit/>
+              </a:bodyPr>
+              <a:lstStyle/>
+              <a:p>
+                <a14:m>
+                  <m:oMath xmlns:m="http://schemas.openxmlformats.org/officeDocument/2006/math">
+                    <m:sSub>
+                      <m:sSubPr>
+                        <m:ctrlPr>
+                          <a:rPr lang="en-US" sz="1200" b="0" i="1" smtClean="0">
+                            <a:latin typeface="Cambria Math"/>
+                            <a:cs typeface="Times New Roman" panose="02020603050405020304" pitchFamily="18" charset="0"/>
+                          </a:rPr>
+                        </m:ctrlPr>
+                      </m:sSubPr>
+                      <m:e>
+                        <m:r>
+                          <a:rPr lang="en-US" sz="1200" b="0" i="1" smtClean="0">
+                            <a:latin typeface="Cambria Math"/>
+                            <a:cs typeface="Times New Roman" panose="02020603050405020304" pitchFamily="18" charset="0"/>
+                          </a:rPr>
+                          <m:t>𝐸</m:t>
+                        </m:r>
+                      </m:e>
+                      <m:sub>
+                        <m:r>
+                          <a:rPr lang="en-US" sz="1200" b="0" i="1" smtClean="0">
+                            <a:latin typeface="Cambria Math"/>
+                            <a:cs typeface="Times New Roman" panose="02020603050405020304" pitchFamily="18" charset="0"/>
+                          </a:rPr>
+                          <m:t>1</m:t>
+                        </m:r>
+                      </m:sub>
+                    </m:sSub>
+                  </m:oMath>
+                </a14:m>
+                <a:r>
+                  <a:rPr lang="en-US" sz="1200" dirty="0" smtClean="0">
+                    <a:latin typeface="Times New Roman" panose="02020603050405020304" pitchFamily="18" charset="0"/>
+                    <a:cs typeface="Times New Roman" panose="02020603050405020304" pitchFamily="18" charset="0"/>
+                  </a:rPr>
+                  <a:t>=</a:t>
+                </a:r>
+                <a:r>
+                  <a:rPr lang="en-US" sz="1200" dirty="0" smtClean="0">
+                    <a:latin typeface="Times New Roman" panose="02020603050405020304" pitchFamily="18" charset="0"/>
+                    <a:cs typeface="Times New Roman" panose="02020603050405020304" pitchFamily="18" charset="0"/>
+                  </a:rPr>
+                  <a:t>0.99974</a:t>
+                </a:r>
+                <a:endParaRPr lang="en-US" sz="1200" dirty="0">
+                  <a:latin typeface="Times New Roman" panose="02020603050405020304" pitchFamily="18" charset="0"/>
+                  <a:cs typeface="Times New Roman" panose="02020603050405020304" pitchFamily="18" charset="0"/>
+                </a:endParaRPr>
+              </a:p>
+            </p:txBody>
+          </p:sp>
+        </mc:Choice>
+        <mc:Fallback>
+          <p:sp>
+            <p:nvSpPr>
+              <p:cNvPr id="41" name="TextBox 40"/>
+              <p:cNvSpPr txBox="1">
+                <a:spLocks noRot="1" noChangeAspect="1" noMove="1" noResize="1" noEditPoints="1" noAdjustHandles="1" noChangeArrowheads="1" noChangeShapeType="1" noTextEdit="1"/>
+              </p:cNvSpPr>
+              <p:nvPr/>
+            </p:nvSpPr>
+            <p:spPr>
+              <a:xfrm>
+                <a:off x="4990815" y="4799915"/>
+                <a:ext cx="927818" cy="276999"/>
+              </a:xfrm>
+              <a:prstGeom prst="rect">
+                <a:avLst/>
+              </a:prstGeom>
+              <a:blipFill rotWithShape="1">
+                <a:blip r:embed="rId2"/>
+                <a:stretch>
+                  <a:fillRect b="-15217"/>
+                </a:stretch>
+              </a:blipFill>
+            </p:spPr>
+            <p:txBody>
+              <a:bodyPr/>
+              <a:lstStyle/>
+              <a:p>
+                <a:r>
+                  <a:rPr lang="en-US">
+                    <a:noFill/>
+                  </a:rPr>
+                  <a:t> </a:t>
+                </a:r>
+              </a:p>
+            </p:txBody>
+          </p:sp>
+        </mc:Fallback>
+      </mc:AlternateContent>
+      <mc:AlternateContent xmlns:mc="http://schemas.openxmlformats.org/markup-compatibility/2006">
+        <mc:Choice xmlns:a14="http://schemas.microsoft.com/office/drawing/2010/main" Requires="a14">
+          <p:sp>
+            <p:nvSpPr>
+              <p:cNvPr id="42" name="TextBox 41"/>
+              <p:cNvSpPr txBox="1"/>
+              <p:nvPr/>
+            </p:nvSpPr>
+            <p:spPr>
+              <a:xfrm>
+                <a:off x="7762875" y="4793307"/>
+                <a:ext cx="931409" cy="276999"/>
+              </a:xfrm>
+              <a:prstGeom prst="rect">
+                <a:avLst/>
+              </a:prstGeom>
+              <a:noFill/>
+            </p:spPr>
+            <p:txBody>
+              <a:bodyPr wrap="none" rtlCol="0">
+                <a:spAutoFit/>
+              </a:bodyPr>
+              <a:lstStyle/>
+              <a:p>
+                <a14:m>
+                  <m:oMath xmlns:m="http://schemas.openxmlformats.org/officeDocument/2006/math">
+                    <m:sSub>
+                      <m:sSubPr>
+                        <m:ctrlPr>
+                          <a:rPr lang="en-US" sz="1200" b="0" i="1" smtClean="0">
+                            <a:latin typeface="Cambria Math"/>
+                            <a:cs typeface="Times New Roman" panose="02020603050405020304" pitchFamily="18" charset="0"/>
+                          </a:rPr>
+                        </m:ctrlPr>
+                      </m:sSubPr>
+                      <m:e>
+                        <m:r>
+                          <a:rPr lang="en-US" sz="1200" b="0" i="1" smtClean="0">
+                            <a:latin typeface="Cambria Math"/>
+                            <a:cs typeface="Times New Roman" panose="02020603050405020304" pitchFamily="18" charset="0"/>
+                          </a:rPr>
+                          <m:t>𝐸</m:t>
+                        </m:r>
+                      </m:e>
+                      <m:sub>
+                        <m:r>
+                          <a:rPr lang="en-US" sz="1200" b="0" i="1" smtClean="0">
+                            <a:latin typeface="Cambria Math"/>
+                            <a:cs typeface="Times New Roman" panose="02020603050405020304" pitchFamily="18" charset="0"/>
+                          </a:rPr>
+                          <m:t>2</m:t>
+                        </m:r>
+                      </m:sub>
+                    </m:sSub>
+                  </m:oMath>
+                </a14:m>
+                <a:r>
+                  <a:rPr lang="en-US" sz="1200" dirty="0" smtClean="0">
+                    <a:latin typeface="Times New Roman" panose="02020603050405020304" pitchFamily="18" charset="0"/>
+                    <a:cs typeface="Times New Roman" panose="02020603050405020304" pitchFamily="18" charset="0"/>
+                  </a:rPr>
+                  <a:t>=</a:t>
+                </a:r>
+                <a:r>
+                  <a:rPr lang="en-US" sz="1200" dirty="0" smtClean="0">
+                    <a:latin typeface="Times New Roman" panose="02020603050405020304" pitchFamily="18" charset="0"/>
+                    <a:cs typeface="Times New Roman" panose="02020603050405020304" pitchFamily="18" charset="0"/>
+                  </a:rPr>
+                  <a:t>0.98522</a:t>
+                </a:r>
+                <a:endParaRPr lang="en-US" sz="1200" dirty="0">
+                  <a:latin typeface="Times New Roman" panose="02020603050405020304" pitchFamily="18" charset="0"/>
+                  <a:cs typeface="Times New Roman" panose="02020603050405020304" pitchFamily="18" charset="0"/>
+                </a:endParaRPr>
+              </a:p>
+            </p:txBody>
+          </p:sp>
+        </mc:Choice>
+        <mc:Fallback>
+          <p:sp>
+            <p:nvSpPr>
+              <p:cNvPr id="42" name="TextBox 41"/>
+              <p:cNvSpPr txBox="1">
+                <a:spLocks noRot="1" noChangeAspect="1" noMove="1" noResize="1" noEditPoints="1" noAdjustHandles="1" noChangeArrowheads="1" noChangeShapeType="1" noTextEdit="1"/>
+              </p:cNvSpPr>
+              <p:nvPr/>
+            </p:nvSpPr>
+            <p:spPr>
+              <a:xfrm>
+                <a:off x="7762875" y="4793307"/>
+                <a:ext cx="931409" cy="276999"/>
+              </a:xfrm>
+              <a:prstGeom prst="rect">
+                <a:avLst/>
+              </a:prstGeom>
+              <a:blipFill rotWithShape="1">
+                <a:blip r:embed="rId3"/>
+                <a:stretch>
+                  <a:fillRect b="-15217"/>
+                </a:stretch>
+              </a:blipFill>
+            </p:spPr>
+            <p:txBody>
+              <a:bodyPr/>
+              <a:lstStyle/>
+              <a:p>
+                <a:r>
+                  <a:rPr lang="en-US">
+                    <a:noFill/>
+                  </a:rPr>
+                  <a:t> </a:t>
+                </a:r>
+              </a:p>
+            </p:txBody>
+          </p:sp>
+        </mc:Fallback>
+      </mc:AlternateContent>
+      <p:sp>
+        <p:nvSpPr>
+          <p:cNvPr id="43" name="TextBox 42"/>
           <p:cNvSpPr txBox="1"/>
           <p:nvPr/>
         </p:nvSpPr>
         <p:spPr>
           <a:xfrm>
-            <a:off x="6371940" y="4205079"/>
+            <a:off x="914491" y="1662499"/>
+            <a:ext cx="2885983" cy="276999"/>
+          </a:xfrm>
+          <a:prstGeom prst="rect">
+            <a:avLst/>
+          </a:prstGeom>
+          <a:noFill/>
+        </p:spPr>
+        <p:txBody>
+          <a:bodyPr wrap="none" rtlCol="0">
+            <a:spAutoFit/>
+          </a:bodyPr>
+          <a:lstStyle/>
+          <a:p>
+            <a:r>
+              <a:rPr lang="en-US" sz="1200" dirty="0" smtClean="0">
+                <a:latin typeface="Times New Roman" panose="02020603050405020304" pitchFamily="18" charset="0"/>
+                <a:cs typeface="Times New Roman" panose="02020603050405020304" pitchFamily="18" charset="0"/>
+              </a:rPr>
+              <a:t>(1) Decision tree learned from training data</a:t>
+            </a:r>
+            <a:endParaRPr lang="en-US" sz="1200" dirty="0">
+              <a:latin typeface="Times New Roman" panose="02020603050405020304" pitchFamily="18" charset="0"/>
+              <a:cs typeface="Times New Roman" panose="02020603050405020304" pitchFamily="18" charset="0"/>
+            </a:endParaRPr>
+          </a:p>
+        </p:txBody>
+      </p:sp>
+      <p:sp>
+        <p:nvSpPr>
+          <p:cNvPr id="44" name="TextBox 43"/>
+          <p:cNvSpPr txBox="1"/>
+          <p:nvPr/>
+        </p:nvSpPr>
+        <p:spPr>
+          <a:xfrm>
+            <a:off x="5715000" y="1682322"/>
+            <a:ext cx="2603598" cy="276999"/>
+          </a:xfrm>
+          <a:prstGeom prst="rect">
+            <a:avLst/>
+          </a:prstGeom>
+          <a:noFill/>
+        </p:spPr>
+        <p:txBody>
+          <a:bodyPr wrap="none" rtlCol="0">
+            <a:spAutoFit/>
+          </a:bodyPr>
+          <a:lstStyle/>
+          <a:p>
+            <a:r>
+              <a:rPr lang="en-US" sz="1200" dirty="0" smtClean="0">
+                <a:latin typeface="Times New Roman" panose="02020603050405020304" pitchFamily="18" charset="0"/>
+                <a:cs typeface="Times New Roman" panose="02020603050405020304" pitchFamily="18" charset="0"/>
+              </a:rPr>
+              <a:t>(2) Decision tree learned from test data</a:t>
+            </a:r>
+            <a:endParaRPr lang="en-US" sz="1200" dirty="0">
+              <a:latin typeface="Times New Roman" panose="02020603050405020304" pitchFamily="18" charset="0"/>
+              <a:cs typeface="Times New Roman" panose="02020603050405020304" pitchFamily="18" charset="0"/>
+            </a:endParaRPr>
+          </a:p>
+        </p:txBody>
+      </p:sp>
+      <p:sp>
+        <p:nvSpPr>
+          <p:cNvPr id="45" name="TextBox 44"/>
+          <p:cNvSpPr txBox="1"/>
+          <p:nvPr/>
+        </p:nvSpPr>
+        <p:spPr>
+          <a:xfrm>
+            <a:off x="1590675" y="838200"/>
+            <a:ext cx="235962" cy="276999"/>
+          </a:xfrm>
+          <a:prstGeom prst="rect">
+            <a:avLst/>
+          </a:prstGeom>
+          <a:noFill/>
+        </p:spPr>
+        <p:txBody>
+          <a:bodyPr wrap="none" rtlCol="0">
+            <a:spAutoFit/>
+          </a:bodyPr>
+          <a:lstStyle/>
+          <a:p>
+            <a:r>
+              <a:rPr lang="en-US" sz="1200" dirty="0" smtClean="0"/>
+              <a:t>t</a:t>
+            </a:r>
+            <a:endParaRPr lang="en-US" sz="1200" dirty="0"/>
+          </a:p>
+        </p:txBody>
+      </p:sp>
+      <p:sp>
+        <p:nvSpPr>
+          <p:cNvPr id="46" name="TextBox 45"/>
+          <p:cNvSpPr txBox="1"/>
+          <p:nvPr/>
+        </p:nvSpPr>
+        <p:spPr>
+          <a:xfrm>
+            <a:off x="2964438" y="838200"/>
+            <a:ext cx="235962" cy="276999"/>
+          </a:xfrm>
+          <a:prstGeom prst="rect">
+            <a:avLst/>
+          </a:prstGeom>
+          <a:noFill/>
+        </p:spPr>
+        <p:txBody>
+          <a:bodyPr wrap="none" rtlCol="0">
+            <a:spAutoFit/>
+          </a:bodyPr>
+          <a:lstStyle/>
+          <a:p>
+            <a:r>
+              <a:rPr lang="en-US" sz="1200" dirty="0" smtClean="0"/>
+              <a:t>f</a:t>
+            </a:r>
+            <a:endParaRPr lang="en-US" sz="1200" dirty="0"/>
+          </a:p>
+        </p:txBody>
+      </p:sp>
+      <p:sp>
+        <p:nvSpPr>
+          <p:cNvPr id="47" name="TextBox 46"/>
+          <p:cNvSpPr txBox="1"/>
+          <p:nvPr/>
+        </p:nvSpPr>
+        <p:spPr>
+          <a:xfrm>
+            <a:off x="6096000" y="838200"/>
+            <a:ext cx="261610" cy="276999"/>
+          </a:xfrm>
+          <a:prstGeom prst="rect">
+            <a:avLst/>
+          </a:prstGeom>
+          <a:noFill/>
+        </p:spPr>
+        <p:txBody>
+          <a:bodyPr wrap="none" rtlCol="0">
+            <a:spAutoFit/>
+          </a:bodyPr>
+          <a:lstStyle/>
+          <a:p>
+            <a:r>
+              <a:rPr lang="en-US" sz="1200" dirty="0" smtClean="0"/>
+              <a:t>&lt;</a:t>
+            </a:r>
+            <a:endParaRPr lang="en-US" sz="1200" dirty="0"/>
+          </a:p>
+        </p:txBody>
+      </p:sp>
+      <p:sp>
+        <p:nvSpPr>
+          <p:cNvPr id="48" name="TextBox 47"/>
+          <p:cNvSpPr txBox="1"/>
+          <p:nvPr/>
+        </p:nvSpPr>
+        <p:spPr>
+          <a:xfrm>
+            <a:off x="7576437" y="857160"/>
+            <a:ext cx="261610" cy="276999"/>
+          </a:xfrm>
+          <a:prstGeom prst="rect">
+            <a:avLst/>
+          </a:prstGeom>
+          <a:noFill/>
+        </p:spPr>
+        <p:txBody>
+          <a:bodyPr wrap="none" rtlCol="0">
+            <a:spAutoFit/>
+          </a:bodyPr>
+          <a:lstStyle/>
+          <a:p>
+            <a:r>
+              <a:rPr lang="en-US" sz="1200" dirty="0"/>
+              <a:t>&gt;</a:t>
+            </a:r>
+          </a:p>
+        </p:txBody>
+      </p:sp>
+      <p:sp>
+        <p:nvSpPr>
+          <p:cNvPr id="49" name="TextBox 48"/>
+          <p:cNvSpPr txBox="1"/>
+          <p:nvPr/>
+        </p:nvSpPr>
+        <p:spPr>
+          <a:xfrm>
+            <a:off x="6002933" y="4711957"/>
+            <a:ext cx="235962" cy="276999"/>
+          </a:xfrm>
+          <a:prstGeom prst="rect">
+            <a:avLst/>
+          </a:prstGeom>
+          <a:noFill/>
+        </p:spPr>
+        <p:txBody>
+          <a:bodyPr wrap="none" rtlCol="0">
+            <a:spAutoFit/>
+          </a:bodyPr>
+          <a:lstStyle/>
+          <a:p>
+            <a:r>
+              <a:rPr lang="en-US" sz="1200" dirty="0" smtClean="0"/>
+              <a:t>t</a:t>
+            </a:r>
+            <a:endParaRPr lang="en-US" sz="1200" dirty="0"/>
+          </a:p>
+        </p:txBody>
+      </p:sp>
+      <p:sp>
+        <p:nvSpPr>
+          <p:cNvPr id="50" name="TextBox 49"/>
+          <p:cNvSpPr txBox="1"/>
+          <p:nvPr/>
+        </p:nvSpPr>
+        <p:spPr>
+          <a:xfrm>
+            <a:off x="7376696" y="4711957"/>
+            <a:ext cx="235962" cy="276999"/>
+          </a:xfrm>
+          <a:prstGeom prst="rect">
+            <a:avLst/>
+          </a:prstGeom>
+          <a:noFill/>
+        </p:spPr>
+        <p:txBody>
+          <a:bodyPr wrap="none" rtlCol="0">
+            <a:spAutoFit/>
+          </a:bodyPr>
+          <a:lstStyle/>
+          <a:p>
+            <a:r>
+              <a:rPr lang="en-US" sz="1200" dirty="0" smtClean="0"/>
+              <a:t>f</a:t>
+            </a:r>
+            <a:endParaRPr lang="en-US" sz="1200" dirty="0"/>
+          </a:p>
+        </p:txBody>
+      </p:sp>
+      <p:sp>
+        <p:nvSpPr>
+          <p:cNvPr id="34" name="Oval 33"/>
+          <p:cNvSpPr/>
+          <p:nvPr/>
+        </p:nvSpPr>
+        <p:spPr>
+          <a:xfrm>
+            <a:off x="1676400" y="4499402"/>
+            <a:ext cx="1143000" cy="342900"/>
+          </a:xfrm>
+          <a:prstGeom prst="ellipse">
+            <a:avLst/>
+          </a:prstGeom>
+          <a:noFill/>
+          <a:ln w="9525">
+            <a:solidFill>
+              <a:schemeClr val="tx1"/>
+            </a:solidFill>
+          </a:ln>
+        </p:spPr>
+        <p:style>
+          <a:lnRef idx="2">
+            <a:schemeClr val="accent1">
+              <a:shade val="50000"/>
+            </a:schemeClr>
+          </a:lnRef>
+          <a:fillRef idx="1">
+            <a:schemeClr val="accent1"/>
+          </a:fillRef>
+          <a:effectRef idx="0">
+            <a:schemeClr val="accent1"/>
+          </a:effectRef>
+          <a:fontRef idx="minor">
+            <a:schemeClr val="lt1"/>
+          </a:fontRef>
+        </p:style>
+        <p:txBody>
+          <a:bodyPr lIns="0" rIns="0" rtlCol="0" anchor="ctr"/>
+          <a:lstStyle/>
+          <a:p>
+            <a:pPr algn="ctr"/>
+            <a:r>
+              <a:rPr lang="en-US" sz="1200" dirty="0" smtClean="0">
+                <a:solidFill>
+                  <a:schemeClr val="tx1"/>
+                </a:solidFill>
+              </a:rPr>
+              <a:t>Attribute: </a:t>
+            </a:r>
+            <a:r>
+              <a:rPr lang="en-US" sz="1200" dirty="0" smtClean="0">
+                <a:solidFill>
+                  <a:schemeClr val="tx1"/>
+                </a:solidFill>
+              </a:rPr>
+              <a:t>9</a:t>
+            </a:r>
+            <a:endParaRPr lang="en-US" sz="1200" dirty="0">
+              <a:solidFill>
+                <a:schemeClr val="tx1"/>
+              </a:solidFill>
+            </a:endParaRPr>
+          </a:p>
+        </p:txBody>
+      </p:sp>
+      <p:sp>
+        <p:nvSpPr>
+          <p:cNvPr id="37" name="Oval 36"/>
+          <p:cNvSpPr/>
+          <p:nvPr/>
+        </p:nvSpPr>
+        <p:spPr>
+          <a:xfrm>
+            <a:off x="304800" y="5070901"/>
+            <a:ext cx="1143000" cy="488273"/>
+          </a:xfrm>
+          <a:prstGeom prst="ellipse">
+            <a:avLst/>
+          </a:prstGeom>
+          <a:noFill/>
+          <a:ln w="9525">
+            <a:solidFill>
+              <a:schemeClr val="tx1"/>
+            </a:solidFill>
+          </a:ln>
+        </p:spPr>
+        <p:style>
+          <a:lnRef idx="2">
+            <a:schemeClr val="accent1">
+              <a:shade val="50000"/>
+            </a:schemeClr>
+          </a:lnRef>
+          <a:fillRef idx="1">
+            <a:schemeClr val="accent1"/>
+          </a:fillRef>
+          <a:effectRef idx="0">
+            <a:schemeClr val="accent1"/>
+          </a:effectRef>
+          <a:fontRef idx="minor">
+            <a:schemeClr val="lt1"/>
+          </a:fontRef>
+        </p:style>
+        <p:txBody>
+          <a:bodyPr rtlCol="0" anchor="ctr"/>
+          <a:lstStyle/>
+          <a:p>
+            <a:pPr algn="ctr"/>
+            <a:r>
+              <a:rPr lang="en-US" sz="1200" dirty="0" smtClean="0">
+                <a:solidFill>
+                  <a:schemeClr val="tx1"/>
+                </a:solidFill>
+              </a:rPr>
+              <a:t>+ 202</a:t>
+            </a:r>
+          </a:p>
+          <a:p>
+            <a:pPr algn="ctr"/>
+            <a:r>
+              <a:rPr lang="en-US" sz="1200" dirty="0" smtClean="0">
+                <a:solidFill>
+                  <a:schemeClr val="tx1"/>
+                </a:solidFill>
+              </a:rPr>
+              <a:t>- 23</a:t>
+            </a:r>
+            <a:endParaRPr lang="en-US" sz="1200" dirty="0">
+              <a:solidFill>
+                <a:schemeClr val="tx1"/>
+              </a:solidFill>
+            </a:endParaRPr>
+          </a:p>
+        </p:txBody>
+      </p:sp>
+      <p:sp>
+        <p:nvSpPr>
+          <p:cNvPr id="39" name="Oval 38"/>
+          <p:cNvSpPr/>
+          <p:nvPr/>
+        </p:nvSpPr>
+        <p:spPr>
+          <a:xfrm>
+            <a:off x="3048000" y="5070901"/>
+            <a:ext cx="1143000" cy="488273"/>
+          </a:xfrm>
+          <a:prstGeom prst="ellipse">
+            <a:avLst/>
+          </a:prstGeom>
+          <a:noFill/>
+          <a:ln w="9525">
+            <a:solidFill>
+              <a:schemeClr val="tx1"/>
+            </a:solidFill>
+          </a:ln>
+        </p:spPr>
+        <p:style>
+          <a:lnRef idx="2">
+            <a:schemeClr val="accent1">
+              <a:shade val="50000"/>
+            </a:schemeClr>
+          </a:lnRef>
+          <a:fillRef idx="1">
+            <a:schemeClr val="accent1"/>
+          </a:fillRef>
+          <a:effectRef idx="0">
+            <a:schemeClr val="accent1"/>
+          </a:effectRef>
+          <a:fontRef idx="minor">
+            <a:schemeClr val="lt1"/>
+          </a:fontRef>
+        </p:style>
+        <p:txBody>
+          <a:bodyPr rtlCol="0" anchor="ctr"/>
+          <a:lstStyle/>
+          <a:p>
+            <a:pPr algn="ctr"/>
+            <a:r>
+              <a:rPr lang="en-US" sz="1200" dirty="0" smtClean="0">
+                <a:solidFill>
+                  <a:schemeClr val="tx1"/>
+                </a:solidFill>
+              </a:rPr>
+              <a:t>+11</a:t>
+            </a:r>
+          </a:p>
+          <a:p>
+            <a:pPr algn="ctr"/>
+            <a:r>
+              <a:rPr lang="en-US" sz="1200" dirty="0" smtClean="0">
+                <a:solidFill>
+                  <a:schemeClr val="tx1"/>
+                </a:solidFill>
+              </a:rPr>
+              <a:t>-254</a:t>
+            </a:r>
+            <a:endParaRPr lang="en-US" sz="1200" dirty="0">
+              <a:solidFill>
+                <a:schemeClr val="tx1"/>
+              </a:solidFill>
+            </a:endParaRPr>
+          </a:p>
+        </p:txBody>
+      </p:sp>
+      <p:cxnSp>
+        <p:nvCxnSpPr>
+          <p:cNvPr id="40" name="Straight Connector 39"/>
+          <p:cNvCxnSpPr>
+            <a:stCxn id="37" idx="7"/>
+            <a:endCxn id="34" idx="3"/>
+          </p:cNvCxnSpPr>
+          <p:nvPr/>
+        </p:nvCxnSpPr>
+        <p:spPr>
+          <a:xfrm flipV="1">
+            <a:off x="1280412" y="4792085"/>
+            <a:ext cx="563376" cy="350322"/>
+          </a:xfrm>
+          <a:prstGeom prst="line">
+            <a:avLst/>
+          </a:prstGeom>
+          <a:ln>
+            <a:solidFill>
+              <a:schemeClr val="tx1"/>
+            </a:solidFill>
+          </a:ln>
+        </p:spPr>
+        <p:style>
+          <a:lnRef idx="1">
+            <a:schemeClr val="accent1"/>
+          </a:lnRef>
+          <a:fillRef idx="0">
+            <a:schemeClr val="accent1"/>
+          </a:fillRef>
+          <a:effectRef idx="0">
+            <a:schemeClr val="accent1"/>
+          </a:effectRef>
+          <a:fontRef idx="minor">
+            <a:schemeClr val="tx1"/>
+          </a:fontRef>
+        </p:style>
+      </p:cxnSp>
+      <p:cxnSp>
+        <p:nvCxnSpPr>
+          <p:cNvPr id="51" name="Straight Connector 50"/>
+          <p:cNvCxnSpPr>
+            <a:stCxn id="39" idx="1"/>
+            <a:endCxn id="34" idx="5"/>
+          </p:cNvCxnSpPr>
+          <p:nvPr/>
+        </p:nvCxnSpPr>
+        <p:spPr>
+          <a:xfrm flipH="1" flipV="1">
+            <a:off x="2652012" y="4792085"/>
+            <a:ext cx="563376" cy="350322"/>
+          </a:xfrm>
+          <a:prstGeom prst="line">
+            <a:avLst/>
+          </a:prstGeom>
+          <a:ln>
+            <a:solidFill>
+              <a:schemeClr val="tx1"/>
+            </a:solidFill>
+          </a:ln>
+        </p:spPr>
+        <p:style>
+          <a:lnRef idx="1">
+            <a:schemeClr val="accent1"/>
+          </a:lnRef>
+          <a:fillRef idx="0">
+            <a:schemeClr val="accent1"/>
+          </a:fillRef>
+          <a:effectRef idx="0">
+            <a:schemeClr val="accent1"/>
+          </a:effectRef>
+          <a:fontRef idx="minor">
+            <a:schemeClr val="tx1"/>
+          </a:fontRef>
+        </p:style>
+      </p:cxnSp>
+      <mc:AlternateContent xmlns:mc="http://schemas.openxmlformats.org/markup-compatibility/2006">
+        <mc:Choice xmlns:a14="http://schemas.microsoft.com/office/drawing/2010/main" Requires="a14">
+          <p:sp>
+            <p:nvSpPr>
+              <p:cNvPr id="53" name="TextBox 52"/>
+              <p:cNvSpPr txBox="1"/>
+              <p:nvPr/>
+            </p:nvSpPr>
+            <p:spPr>
+              <a:xfrm>
+                <a:off x="414469" y="4785477"/>
+                <a:ext cx="927818" cy="276999"/>
+              </a:xfrm>
+              <a:prstGeom prst="rect">
+                <a:avLst/>
+              </a:prstGeom>
+              <a:noFill/>
+            </p:spPr>
+            <p:txBody>
+              <a:bodyPr wrap="none" rtlCol="0">
+                <a:spAutoFit/>
+              </a:bodyPr>
+              <a:lstStyle/>
+              <a:p>
+                <a14:m>
+                  <m:oMath xmlns:m="http://schemas.openxmlformats.org/officeDocument/2006/math">
+                    <m:sSub>
+                      <m:sSubPr>
+                        <m:ctrlPr>
+                          <a:rPr lang="en-US" sz="1200" b="0" i="1" smtClean="0">
+                            <a:latin typeface="Cambria Math"/>
+                            <a:cs typeface="Times New Roman" panose="02020603050405020304" pitchFamily="18" charset="0"/>
+                          </a:rPr>
+                        </m:ctrlPr>
+                      </m:sSubPr>
+                      <m:e>
+                        <m:r>
+                          <a:rPr lang="en-US" sz="1200" b="0" i="1" smtClean="0">
+                            <a:latin typeface="Cambria Math"/>
+                            <a:cs typeface="Times New Roman" panose="02020603050405020304" pitchFamily="18" charset="0"/>
+                          </a:rPr>
+                          <m:t>𝐸</m:t>
+                        </m:r>
+                      </m:e>
+                      <m:sub>
+                        <m:r>
+                          <a:rPr lang="en-US" sz="1200" b="0" i="1" smtClean="0">
+                            <a:latin typeface="Cambria Math"/>
+                            <a:cs typeface="Times New Roman" panose="02020603050405020304" pitchFamily="18" charset="0"/>
+                          </a:rPr>
+                          <m:t>1</m:t>
+                        </m:r>
+                      </m:sub>
+                    </m:sSub>
+                  </m:oMath>
+                </a14:m>
+                <a:r>
+                  <a:rPr lang="en-US" sz="1200" dirty="0" smtClean="0">
+                    <a:latin typeface="Times New Roman" panose="02020603050405020304" pitchFamily="18" charset="0"/>
+                    <a:cs typeface="Times New Roman" panose="02020603050405020304" pitchFamily="18" charset="0"/>
+                  </a:rPr>
+                  <a:t>=0.47600</a:t>
+                </a:r>
+                <a:endParaRPr lang="en-US" sz="1200" dirty="0">
+                  <a:latin typeface="Times New Roman" panose="02020603050405020304" pitchFamily="18" charset="0"/>
+                  <a:cs typeface="Times New Roman" panose="02020603050405020304" pitchFamily="18" charset="0"/>
+                </a:endParaRPr>
+              </a:p>
+            </p:txBody>
+          </p:sp>
+        </mc:Choice>
+        <mc:Fallback>
+          <p:sp>
+            <p:nvSpPr>
+              <p:cNvPr id="53" name="TextBox 52"/>
+              <p:cNvSpPr txBox="1">
+                <a:spLocks noRot="1" noChangeAspect="1" noMove="1" noResize="1" noEditPoints="1" noAdjustHandles="1" noChangeArrowheads="1" noChangeShapeType="1" noTextEdit="1"/>
+              </p:cNvSpPr>
+              <p:nvPr/>
+            </p:nvSpPr>
+            <p:spPr>
+              <a:xfrm>
+                <a:off x="414469" y="4785477"/>
+                <a:ext cx="927818" cy="276999"/>
+              </a:xfrm>
+              <a:prstGeom prst="rect">
+                <a:avLst/>
+              </a:prstGeom>
+              <a:blipFill rotWithShape="1">
+                <a:blip r:embed="rId4"/>
+                <a:stretch>
+                  <a:fillRect b="-17778"/>
+                </a:stretch>
+              </a:blipFill>
+            </p:spPr>
+            <p:txBody>
+              <a:bodyPr/>
+              <a:lstStyle/>
+              <a:p>
+                <a:r>
+                  <a:rPr lang="en-US">
+                    <a:noFill/>
+                  </a:rPr>
+                  <a:t> </a:t>
+                </a:r>
+              </a:p>
+            </p:txBody>
+          </p:sp>
+        </mc:Fallback>
+      </mc:AlternateContent>
+      <mc:AlternateContent xmlns:mc="http://schemas.openxmlformats.org/markup-compatibility/2006">
+        <mc:Choice xmlns:a14="http://schemas.microsoft.com/office/drawing/2010/main" Requires="a14">
+          <p:sp>
+            <p:nvSpPr>
+              <p:cNvPr id="54" name="TextBox 53"/>
+              <p:cNvSpPr txBox="1"/>
+              <p:nvPr/>
+            </p:nvSpPr>
+            <p:spPr>
+              <a:xfrm>
+                <a:off x="3186528" y="4806345"/>
+                <a:ext cx="931409" cy="276999"/>
+              </a:xfrm>
+              <a:prstGeom prst="rect">
+                <a:avLst/>
+              </a:prstGeom>
+              <a:noFill/>
+            </p:spPr>
+            <p:txBody>
+              <a:bodyPr wrap="none" rtlCol="0">
+                <a:spAutoFit/>
+              </a:bodyPr>
+              <a:lstStyle/>
+              <a:p>
+                <a14:m>
+                  <m:oMath xmlns:m="http://schemas.openxmlformats.org/officeDocument/2006/math">
+                    <m:sSub>
+                      <m:sSubPr>
+                        <m:ctrlPr>
+                          <a:rPr lang="en-US" sz="1200" b="0" i="1" smtClean="0">
+                            <a:latin typeface="Cambria Math"/>
+                            <a:cs typeface="Times New Roman" panose="02020603050405020304" pitchFamily="18" charset="0"/>
+                          </a:rPr>
+                        </m:ctrlPr>
+                      </m:sSubPr>
+                      <m:e>
+                        <m:r>
+                          <a:rPr lang="en-US" sz="1200" b="0" i="1" smtClean="0">
+                            <a:latin typeface="Cambria Math"/>
+                            <a:cs typeface="Times New Roman" panose="02020603050405020304" pitchFamily="18" charset="0"/>
+                          </a:rPr>
+                          <m:t>𝐸</m:t>
+                        </m:r>
+                      </m:e>
+                      <m:sub>
+                        <m:r>
+                          <a:rPr lang="en-US" sz="1200" b="0" i="1" smtClean="0">
+                            <a:latin typeface="Cambria Math"/>
+                            <a:cs typeface="Times New Roman" panose="02020603050405020304" pitchFamily="18" charset="0"/>
+                          </a:rPr>
+                          <m:t>2</m:t>
+                        </m:r>
+                      </m:sub>
+                    </m:sSub>
+                  </m:oMath>
+                </a14:m>
+                <a:r>
+                  <a:rPr lang="en-US" sz="1200" dirty="0" smtClean="0">
+                    <a:latin typeface="Times New Roman" panose="02020603050405020304" pitchFamily="18" charset="0"/>
+                    <a:cs typeface="Times New Roman" panose="02020603050405020304" pitchFamily="18" charset="0"/>
+                  </a:rPr>
+                  <a:t>=</a:t>
+                </a:r>
+                <a:r>
+                  <a:rPr lang="en-US" sz="1200" dirty="0" smtClean="0">
+                    <a:latin typeface="Times New Roman" panose="02020603050405020304" pitchFamily="18" charset="0"/>
+                    <a:cs typeface="Times New Roman" panose="02020603050405020304" pitchFamily="18" charset="0"/>
+                  </a:rPr>
+                  <a:t>0.24917</a:t>
+                </a:r>
+                <a:endParaRPr lang="en-US" sz="1200" dirty="0">
+                  <a:latin typeface="Times New Roman" panose="02020603050405020304" pitchFamily="18" charset="0"/>
+                  <a:cs typeface="Times New Roman" panose="02020603050405020304" pitchFamily="18" charset="0"/>
+                </a:endParaRPr>
+              </a:p>
+            </p:txBody>
+          </p:sp>
+        </mc:Choice>
+        <mc:Fallback>
+          <p:sp>
+            <p:nvSpPr>
+              <p:cNvPr id="54" name="TextBox 53"/>
+              <p:cNvSpPr txBox="1">
+                <a:spLocks noRot="1" noChangeAspect="1" noMove="1" noResize="1" noEditPoints="1" noAdjustHandles="1" noChangeArrowheads="1" noChangeShapeType="1" noTextEdit="1"/>
+              </p:cNvSpPr>
+              <p:nvPr/>
+            </p:nvSpPr>
+            <p:spPr>
+              <a:xfrm>
+                <a:off x="3186528" y="4806345"/>
+                <a:ext cx="931409" cy="276999"/>
+              </a:xfrm>
+              <a:prstGeom prst="rect">
+                <a:avLst/>
+              </a:prstGeom>
+              <a:blipFill rotWithShape="1">
+                <a:blip r:embed="rId5"/>
+                <a:stretch>
+                  <a:fillRect b="-15217"/>
+                </a:stretch>
+              </a:blipFill>
+            </p:spPr>
+            <p:txBody>
+              <a:bodyPr/>
+              <a:lstStyle/>
+              <a:p>
+                <a:r>
+                  <a:rPr lang="en-US">
+                    <a:noFill/>
+                  </a:rPr>
+                  <a:t> </a:t>
+                </a:r>
+              </a:p>
+            </p:txBody>
+          </p:sp>
+        </mc:Fallback>
+      </mc:AlternateContent>
+      <p:sp>
+        <p:nvSpPr>
+          <p:cNvPr id="55" name="TextBox 54"/>
+          <p:cNvSpPr txBox="1"/>
+          <p:nvPr/>
+        </p:nvSpPr>
+        <p:spPr>
+          <a:xfrm>
+            <a:off x="1028700" y="5621626"/>
+            <a:ext cx="2360390" cy="276999"/>
+          </a:xfrm>
+          <a:prstGeom prst="rect">
+            <a:avLst/>
+          </a:prstGeom>
+          <a:noFill/>
+        </p:spPr>
+        <p:txBody>
+          <a:bodyPr wrap="none" rtlCol="0">
+            <a:spAutoFit/>
+          </a:bodyPr>
+          <a:lstStyle/>
+          <a:p>
+            <a:r>
+              <a:rPr lang="en-US" sz="1200" dirty="0" smtClean="0">
+                <a:latin typeface="Times New Roman" panose="02020603050405020304" pitchFamily="18" charset="0"/>
+                <a:cs typeface="Times New Roman" panose="02020603050405020304" pitchFamily="18" charset="0"/>
+              </a:rPr>
+              <a:t>(1) </a:t>
+            </a:r>
+            <a:r>
+              <a:rPr lang="en-US" sz="1200" dirty="0" smtClean="0">
+                <a:latin typeface="Times New Roman" panose="02020603050405020304" pitchFamily="18" charset="0"/>
+                <a:cs typeface="Times New Roman" panose="02020603050405020304" pitchFamily="18" charset="0"/>
+              </a:rPr>
+              <a:t>The entropy of the </a:t>
+            </a:r>
+            <a:r>
+              <a:rPr lang="en-US" sz="1200" dirty="0" smtClean="0">
+                <a:latin typeface="Times New Roman" panose="02020603050405020304" pitchFamily="18" charset="0"/>
+                <a:cs typeface="Times New Roman" panose="02020603050405020304" pitchFamily="18" charset="0"/>
+              </a:rPr>
+              <a:t>training data</a:t>
+            </a:r>
+            <a:endParaRPr lang="en-US" sz="1200" dirty="0">
+              <a:latin typeface="Times New Roman" panose="02020603050405020304" pitchFamily="18" charset="0"/>
+              <a:cs typeface="Times New Roman" panose="02020603050405020304" pitchFamily="18" charset="0"/>
+            </a:endParaRPr>
+          </a:p>
+        </p:txBody>
+      </p:sp>
+      <p:sp>
+        <p:nvSpPr>
+          <p:cNvPr id="56" name="TextBox 55"/>
+          <p:cNvSpPr txBox="1"/>
+          <p:nvPr/>
+        </p:nvSpPr>
+        <p:spPr>
+          <a:xfrm>
+            <a:off x="1438275" y="4689902"/>
+            <a:ext cx="235962" cy="276999"/>
+          </a:xfrm>
+          <a:prstGeom prst="rect">
+            <a:avLst/>
+          </a:prstGeom>
+          <a:noFill/>
+        </p:spPr>
+        <p:txBody>
+          <a:bodyPr wrap="none" rtlCol="0">
+            <a:spAutoFit/>
+          </a:bodyPr>
+          <a:lstStyle/>
+          <a:p>
+            <a:r>
+              <a:rPr lang="en-US" sz="1200" dirty="0" smtClean="0"/>
+              <a:t>t</a:t>
+            </a:r>
+            <a:endParaRPr lang="en-US" sz="1200" dirty="0"/>
+          </a:p>
+        </p:txBody>
+      </p:sp>
+      <p:sp>
+        <p:nvSpPr>
+          <p:cNvPr id="57" name="TextBox 56"/>
+          <p:cNvSpPr txBox="1"/>
+          <p:nvPr/>
+        </p:nvSpPr>
+        <p:spPr>
+          <a:xfrm>
+            <a:off x="2812038" y="4689902"/>
+            <a:ext cx="235962" cy="276999"/>
+          </a:xfrm>
+          <a:prstGeom prst="rect">
+            <a:avLst/>
+          </a:prstGeom>
+          <a:noFill/>
+        </p:spPr>
+        <p:txBody>
+          <a:bodyPr wrap="none" rtlCol="0">
+            <a:spAutoFit/>
+          </a:bodyPr>
+          <a:lstStyle/>
+          <a:p>
+            <a:r>
+              <a:rPr lang="en-US" sz="1200" dirty="0" smtClean="0"/>
+              <a:t>f</a:t>
+            </a:r>
+            <a:endParaRPr lang="en-US" sz="1200" dirty="0"/>
+          </a:p>
+        </p:txBody>
+      </p:sp>
+      <p:sp>
+        <p:nvSpPr>
+          <p:cNvPr id="58" name="TextBox 57"/>
+          <p:cNvSpPr txBox="1"/>
+          <p:nvPr/>
+        </p:nvSpPr>
+        <p:spPr>
+          <a:xfrm>
+            <a:off x="5791200" y="5638023"/>
+            <a:ext cx="2094291" cy="276999"/>
+          </a:xfrm>
+          <a:prstGeom prst="rect">
+            <a:avLst/>
+          </a:prstGeom>
+          <a:noFill/>
+        </p:spPr>
+        <p:txBody>
+          <a:bodyPr wrap="none" rtlCol="0">
+            <a:spAutoFit/>
+          </a:bodyPr>
+          <a:lstStyle/>
+          <a:p>
+            <a:r>
+              <a:rPr lang="en-US" sz="1200" dirty="0" smtClean="0">
+                <a:latin typeface="Times New Roman" panose="02020603050405020304" pitchFamily="18" charset="0"/>
+                <a:cs typeface="Times New Roman" panose="02020603050405020304" pitchFamily="18" charset="0"/>
+              </a:rPr>
+              <a:t>(2) </a:t>
+            </a:r>
+            <a:r>
+              <a:rPr lang="en-US" sz="1200" dirty="0" smtClean="0">
+                <a:latin typeface="Times New Roman" panose="02020603050405020304" pitchFamily="18" charset="0"/>
+                <a:cs typeface="Times New Roman" panose="02020603050405020304" pitchFamily="18" charset="0"/>
+              </a:rPr>
+              <a:t>The entropy of the </a:t>
+            </a:r>
+            <a:r>
+              <a:rPr lang="en-US" sz="1200" dirty="0" smtClean="0">
+                <a:latin typeface="Times New Roman" panose="02020603050405020304" pitchFamily="18" charset="0"/>
+                <a:cs typeface="Times New Roman" panose="02020603050405020304" pitchFamily="18" charset="0"/>
+              </a:rPr>
+              <a:t>test </a:t>
+            </a:r>
+            <a:r>
+              <a:rPr lang="en-US" sz="1200" dirty="0" smtClean="0">
+                <a:latin typeface="Times New Roman" panose="02020603050405020304" pitchFamily="18" charset="0"/>
+                <a:cs typeface="Times New Roman" panose="02020603050405020304" pitchFamily="18" charset="0"/>
+              </a:rPr>
+              <a:t>data</a:t>
+            </a:r>
+            <a:endParaRPr lang="en-US" sz="1200" dirty="0">
+              <a:latin typeface="Times New Roman" panose="02020603050405020304" pitchFamily="18" charset="0"/>
+              <a:cs typeface="Times New Roman" panose="02020603050405020304" pitchFamily="18" charset="0"/>
+            </a:endParaRPr>
+          </a:p>
+        </p:txBody>
+      </p:sp>
+      <p:sp>
+        <p:nvSpPr>
+          <p:cNvPr id="59" name="TextBox 58"/>
+          <p:cNvSpPr txBox="1"/>
+          <p:nvPr/>
+        </p:nvSpPr>
+        <p:spPr>
+          <a:xfrm>
+            <a:off x="1843788" y="5282175"/>
             <a:ext cx="865943" cy="276999"/>
           </a:xfrm>
           <a:prstGeom prst="rect">
@@ -7122,7 +8287,7 @@
                 <a:latin typeface="Times New Roman" panose="02020603050405020304" pitchFamily="18" charset="0"/>
                 <a:cs typeface="Times New Roman" panose="02020603050405020304" pitchFamily="18" charset="0"/>
               </a:rPr>
-              <a:t>=0.99983</a:t>
+              <a:t>=0.35332</a:t>
             </a:r>
             <a:endParaRPr lang="en-US" sz="1200" dirty="0">
               <a:latin typeface="Times New Roman" panose="02020603050405020304" pitchFamily="18" charset="0"/>
@@ -7133,13 +8298,13 @@
       </p:sp>
       <p:sp>
         <p:nvSpPr>
-          <p:cNvPr id="41" name="TextBox 40"/>
+          <p:cNvPr id="60" name="TextBox 59"/>
           <p:cNvSpPr txBox="1"/>
           <p:nvPr/>
         </p:nvSpPr>
         <p:spPr>
           <a:xfrm>
-            <a:off x="5000340" y="4847540"/>
+            <a:off x="6405373" y="5282174"/>
             <a:ext cx="865943" cy="276999"/>
           </a:xfrm>
           <a:prstGeom prst="rect">
@@ -7165,307 +8330,12 @@
                 <a:latin typeface="Times New Roman" panose="02020603050405020304" pitchFamily="18" charset="0"/>
                 <a:cs typeface="Times New Roman" panose="02020603050405020304" pitchFamily="18" charset="0"/>
               </a:rPr>
-              <a:t>=0.99974</a:t>
+              <a:t>=0.99671</a:t>
             </a:r>
             <a:endParaRPr lang="en-US" sz="1200" dirty="0">
               <a:latin typeface="Times New Roman" panose="02020603050405020304" pitchFamily="18" charset="0"/>
               <a:cs typeface="Times New Roman" panose="02020603050405020304" pitchFamily="18" charset="0"/>
             </a:endParaRPr>
-          </a:p>
-        </p:txBody>
-      </p:sp>
-      <p:sp>
-        <p:nvSpPr>
-          <p:cNvPr id="42" name="TextBox 41"/>
-          <p:cNvSpPr txBox="1"/>
-          <p:nvPr/>
-        </p:nvSpPr>
-        <p:spPr>
-          <a:xfrm>
-            <a:off x="7772400" y="4821882"/>
-            <a:ext cx="865943" cy="276999"/>
-          </a:xfrm>
-          <a:prstGeom prst="rect">
-            <a:avLst/>
-          </a:prstGeom>
-          <a:noFill/>
-        </p:spPr>
-        <p:txBody>
-          <a:bodyPr wrap="none" rtlCol="0">
-            <a:spAutoFit/>
-          </a:bodyPr>
-          <a:lstStyle/>
-          <a:p>
-            <a:r>
-              <a:rPr lang="en-US" sz="1200" i="1" dirty="0" smtClean="0">
-                <a:latin typeface="Times New Roman" panose="02020603050405020304" pitchFamily="18" charset="0"/>
-                <a:cs typeface="Times New Roman" panose="02020603050405020304" pitchFamily="18" charset="0"/>
-              </a:rPr>
-              <a:t>E</a:t>
-            </a:r>
-            <a:r>
-              <a:rPr lang="en-US" sz="1200" dirty="0" smtClean="0">
-                <a:latin typeface="Times New Roman" panose="02020603050405020304" pitchFamily="18" charset="0"/>
-                <a:cs typeface="Times New Roman" panose="02020603050405020304" pitchFamily="18" charset="0"/>
-              </a:rPr>
-              <a:t>=0.98522</a:t>
-            </a:r>
-            <a:endParaRPr lang="en-US" sz="1200" dirty="0">
-              <a:latin typeface="Times New Roman" panose="02020603050405020304" pitchFamily="18" charset="0"/>
-              <a:cs typeface="Times New Roman" panose="02020603050405020304" pitchFamily="18" charset="0"/>
-            </a:endParaRPr>
-          </a:p>
-        </p:txBody>
-      </p:sp>
-      <p:sp>
-        <p:nvSpPr>
-          <p:cNvPr id="43" name="TextBox 42"/>
-          <p:cNvSpPr txBox="1"/>
-          <p:nvPr/>
-        </p:nvSpPr>
-        <p:spPr>
-          <a:xfrm>
-            <a:off x="914491" y="1662499"/>
-            <a:ext cx="2885983" cy="276999"/>
-          </a:xfrm>
-          <a:prstGeom prst="rect">
-            <a:avLst/>
-          </a:prstGeom>
-          <a:noFill/>
-        </p:spPr>
-        <p:txBody>
-          <a:bodyPr wrap="none" rtlCol="0">
-            <a:spAutoFit/>
-          </a:bodyPr>
-          <a:lstStyle/>
-          <a:p>
-            <a:r>
-              <a:rPr lang="en-US" sz="1200" dirty="0" smtClean="0">
-                <a:latin typeface="Times New Roman" panose="02020603050405020304" pitchFamily="18" charset="0"/>
-                <a:cs typeface="Times New Roman" panose="02020603050405020304" pitchFamily="18" charset="0"/>
-              </a:rPr>
-              <a:t>(1) Decision tree learned from training data</a:t>
-            </a:r>
-            <a:endParaRPr lang="en-US" sz="1200" dirty="0">
-              <a:latin typeface="Times New Roman" panose="02020603050405020304" pitchFamily="18" charset="0"/>
-              <a:cs typeface="Times New Roman" panose="02020603050405020304" pitchFamily="18" charset="0"/>
-            </a:endParaRPr>
-          </a:p>
-        </p:txBody>
-      </p:sp>
-      <p:sp>
-        <p:nvSpPr>
-          <p:cNvPr id="44" name="TextBox 43"/>
-          <p:cNvSpPr txBox="1"/>
-          <p:nvPr/>
-        </p:nvSpPr>
-        <p:spPr>
-          <a:xfrm>
-            <a:off x="5715000" y="1682322"/>
-            <a:ext cx="2603598" cy="276999"/>
-          </a:xfrm>
-          <a:prstGeom prst="rect">
-            <a:avLst/>
-          </a:prstGeom>
-          <a:noFill/>
-        </p:spPr>
-        <p:txBody>
-          <a:bodyPr wrap="none" rtlCol="0">
-            <a:spAutoFit/>
-          </a:bodyPr>
-          <a:lstStyle/>
-          <a:p>
-            <a:r>
-              <a:rPr lang="en-US" sz="1200" dirty="0" smtClean="0">
-                <a:latin typeface="Times New Roman" panose="02020603050405020304" pitchFamily="18" charset="0"/>
-                <a:cs typeface="Times New Roman" panose="02020603050405020304" pitchFamily="18" charset="0"/>
-              </a:rPr>
-              <a:t>(2) Decision tree learned from test data</a:t>
-            </a:r>
-            <a:endParaRPr lang="en-US" sz="1200" dirty="0">
-              <a:latin typeface="Times New Roman" panose="02020603050405020304" pitchFamily="18" charset="0"/>
-              <a:cs typeface="Times New Roman" panose="02020603050405020304" pitchFamily="18" charset="0"/>
-            </a:endParaRPr>
-          </a:p>
-        </p:txBody>
-      </p:sp>
-      <p:sp>
-        <p:nvSpPr>
-          <p:cNvPr id="45" name="TextBox 44"/>
-          <p:cNvSpPr txBox="1"/>
-          <p:nvPr/>
-        </p:nvSpPr>
-        <p:spPr>
-          <a:xfrm>
-            <a:off x="1590675" y="838200"/>
-            <a:ext cx="235962" cy="276999"/>
-          </a:xfrm>
-          <a:prstGeom prst="rect">
-            <a:avLst/>
-          </a:prstGeom>
-          <a:noFill/>
-        </p:spPr>
-        <p:txBody>
-          <a:bodyPr wrap="none" rtlCol="0">
-            <a:spAutoFit/>
-          </a:bodyPr>
-          <a:lstStyle/>
-          <a:p>
-            <a:r>
-              <a:rPr lang="en-US" sz="1200" dirty="0" smtClean="0"/>
-              <a:t>t</a:t>
-            </a:r>
-            <a:endParaRPr lang="en-US" sz="1200" dirty="0"/>
-          </a:p>
-        </p:txBody>
-      </p:sp>
-      <p:sp>
-        <p:nvSpPr>
-          <p:cNvPr id="46" name="TextBox 45"/>
-          <p:cNvSpPr txBox="1"/>
-          <p:nvPr/>
-        </p:nvSpPr>
-        <p:spPr>
-          <a:xfrm>
-            <a:off x="2964438" y="838200"/>
-            <a:ext cx="235962" cy="276999"/>
-          </a:xfrm>
-          <a:prstGeom prst="rect">
-            <a:avLst/>
-          </a:prstGeom>
-          <a:noFill/>
-        </p:spPr>
-        <p:txBody>
-          <a:bodyPr wrap="none" rtlCol="0">
-            <a:spAutoFit/>
-          </a:bodyPr>
-          <a:lstStyle/>
-          <a:p>
-            <a:r>
-              <a:rPr lang="en-US" sz="1200" dirty="0" smtClean="0"/>
-              <a:t>f</a:t>
-            </a:r>
-            <a:endParaRPr lang="en-US" sz="1200" dirty="0"/>
-          </a:p>
-        </p:txBody>
-      </p:sp>
-      <p:sp>
-        <p:nvSpPr>
-          <p:cNvPr id="47" name="TextBox 46"/>
-          <p:cNvSpPr txBox="1"/>
-          <p:nvPr/>
-        </p:nvSpPr>
-        <p:spPr>
-          <a:xfrm>
-            <a:off x="6096000" y="838200"/>
-            <a:ext cx="261610" cy="276999"/>
-          </a:xfrm>
-          <a:prstGeom prst="rect">
-            <a:avLst/>
-          </a:prstGeom>
-          <a:noFill/>
-        </p:spPr>
-        <p:txBody>
-          <a:bodyPr wrap="none" rtlCol="0">
-            <a:spAutoFit/>
-          </a:bodyPr>
-          <a:lstStyle/>
-          <a:p>
-            <a:r>
-              <a:rPr lang="en-US" sz="1200" dirty="0" smtClean="0"/>
-              <a:t>&lt;</a:t>
-            </a:r>
-            <a:endParaRPr lang="en-US" sz="1200" dirty="0"/>
-          </a:p>
-        </p:txBody>
-      </p:sp>
-      <p:sp>
-        <p:nvSpPr>
-          <p:cNvPr id="48" name="TextBox 47"/>
-          <p:cNvSpPr txBox="1"/>
-          <p:nvPr/>
-        </p:nvSpPr>
-        <p:spPr>
-          <a:xfrm>
-            <a:off x="7576437" y="857160"/>
-            <a:ext cx="261610" cy="276999"/>
-          </a:xfrm>
-          <a:prstGeom prst="rect">
-            <a:avLst/>
-          </a:prstGeom>
-          <a:noFill/>
-        </p:spPr>
-        <p:txBody>
-          <a:bodyPr wrap="none" rtlCol="0">
-            <a:spAutoFit/>
-          </a:bodyPr>
-          <a:lstStyle/>
-          <a:p>
-            <a:r>
-              <a:rPr lang="en-US" sz="1200" dirty="0"/>
-              <a:t>&gt;</a:t>
-            </a:r>
-            <a:endParaRPr lang="en-US" sz="1200" dirty="0"/>
-          </a:p>
-        </p:txBody>
-      </p:sp>
-      <p:sp>
-        <p:nvSpPr>
-          <p:cNvPr id="49" name="TextBox 48"/>
-          <p:cNvSpPr txBox="1"/>
-          <p:nvPr/>
-        </p:nvSpPr>
-        <p:spPr>
-          <a:xfrm>
-            <a:off x="6002933" y="4711957"/>
-            <a:ext cx="235962" cy="276999"/>
-          </a:xfrm>
-          <a:prstGeom prst="rect">
-            <a:avLst/>
-          </a:prstGeom>
-          <a:noFill/>
-        </p:spPr>
-        <p:txBody>
-          <a:bodyPr wrap="none" rtlCol="0">
-            <a:spAutoFit/>
-          </a:bodyPr>
-          <a:lstStyle/>
-          <a:p>
-            <a:r>
-              <a:rPr lang="en-US" sz="1200" dirty="0" smtClean="0"/>
-              <a:t>t</a:t>
-            </a:r>
-            <a:endParaRPr lang="en-US" sz="1200" dirty="0"/>
-          </a:p>
-        </p:txBody>
-      </p:sp>
-      <p:sp>
-        <p:nvSpPr>
-          <p:cNvPr id="50" name="TextBox 49"/>
-          <p:cNvSpPr txBox="1"/>
-          <p:nvPr/>
-        </p:nvSpPr>
-        <p:spPr>
-          <a:xfrm>
-            <a:off x="7376696" y="4711957"/>
-            <a:ext cx="235962" cy="276999"/>
-          </a:xfrm>
-          <a:prstGeom prst="rect">
-            <a:avLst/>
-          </a:prstGeom>
-          <a:noFill/>
-        </p:spPr>
-        <p:txBody>
-          <a:bodyPr wrap="none" rtlCol="0">
-            <a:spAutoFit/>
-          </a:bodyPr>
-          <a:lstStyle/>
-          <a:p>
-            <a:r>
-              <a:rPr lang="en-US" sz="1200" dirty="0" smtClean="0"/>
-              <a:t>f</a:t>
-            </a:r>
-            <a:endParaRPr lang="en-US" sz="1200" dirty="0"/>
           </a:p>
         </p:txBody>
       </p:sp>
